--- a/Assignments_Quizzes/Guitar Lessons/week 1/Week 1 v1.pptx
+++ b/Assignments_Quizzes/Guitar Lessons/week 1/Week 1 v1.pptx
@@ -7,7 +7,7 @@
   <p:sldIdLst>
     <p:sldId id="279" r:id="rId2"/>
     <p:sldId id="256" r:id="rId3"/>
-    <p:sldId id="257" r:id="rId4"/>
+    <p:sldId id="280" r:id="rId4"/>
     <p:sldId id="278" r:id="rId5"/>
     <p:sldId id="258" r:id="rId6"/>
     <p:sldId id="270" r:id="rId7"/>
@@ -18,13 +18,15 @@
     <p:sldId id="274" r:id="rId12"/>
     <p:sldId id="259" r:id="rId13"/>
     <p:sldId id="271" r:id="rId14"/>
-    <p:sldId id="260" r:id="rId15"/>
-    <p:sldId id="261" r:id="rId16"/>
-    <p:sldId id="267" r:id="rId17"/>
-    <p:sldId id="263" r:id="rId18"/>
-    <p:sldId id="262" r:id="rId19"/>
-    <p:sldId id="275" r:id="rId20"/>
-    <p:sldId id="265" r:id="rId21"/>
+    <p:sldId id="282" r:id="rId15"/>
+    <p:sldId id="260" r:id="rId16"/>
+    <p:sldId id="261" r:id="rId17"/>
+    <p:sldId id="267" r:id="rId18"/>
+    <p:sldId id="263" r:id="rId19"/>
+    <p:sldId id="262" r:id="rId20"/>
+    <p:sldId id="275" r:id="rId21"/>
+    <p:sldId id="265" r:id="rId22"/>
+    <p:sldId id="281" r:id="rId23"/>
   </p:sldIdLst>
   <p:sldSz cx="9144000" cy="6858000" type="screen4x3"/>
   <p:notesSz cx="6858000" cy="9144000"/>
@@ -3599,6 +3601,13 @@
   <p:clrMapOvr>
     <a:masterClrMapping/>
   </p:clrMapOvr>
+  <p:timing>
+    <p:tnLst>
+      <p:par>
+        <p:cTn xmlns:p14="http://schemas.microsoft.com/office/powerpoint/2010/main" id="1" dur="indefinite" restart="never" nodeType="tmRoot"/>
+      </p:par>
+    </p:tnLst>
+  </p:timing>
 </p:sld>
 </file>
 
@@ -4002,10 +4011,631 @@
   <p:clrMapOvr>
     <a:masterClrMapping/>
   </p:clrMapOvr>
+  <p:timing>
+    <p:tnLst>
+      <p:par>
+        <p:cTn xmlns:p14="http://schemas.microsoft.com/office/powerpoint/2010/main" id="1" dur="indefinite" restart="never" nodeType="tmRoot"/>
+      </p:par>
+    </p:tnLst>
+  </p:timing>
 </p:sld>
 </file>
 
 <file path=ppt/slides/slide14.xml><?xml version="1.0" encoding="utf-8"?>
+<p:sld xmlns:a="http://schemas.openxmlformats.org/drawingml/2006/main" xmlns:r="http://schemas.openxmlformats.org/officeDocument/2006/relationships" xmlns:p="http://schemas.openxmlformats.org/presentationml/2006/main">
+  <p:cSld>
+    <p:spTree>
+      <p:nvGrpSpPr>
+        <p:cNvPr id="1" name=""/>
+        <p:cNvGrpSpPr/>
+        <p:nvPr/>
+      </p:nvGrpSpPr>
+      <p:grpSpPr>
+        <a:xfrm>
+          <a:off x="0" y="0"/>
+          <a:ext cx="0" cy="0"/>
+          <a:chOff x="0" y="0"/>
+          <a:chExt cx="0" cy="0"/>
+        </a:xfrm>
+      </p:grpSpPr>
+      <p:sp>
+        <p:nvSpPr>
+          <p:cNvPr id="2" name="Title 1">
+            <a:extLst>
+              <a:ext uri="{FF2B5EF4-FFF2-40B4-BE49-F238E27FC236}">
+                <a16:creationId xmlns:a16="http://schemas.microsoft.com/office/drawing/2014/main" xmlns="" id="{C33D6B90-48C1-4366-AAB3-BBFB18E6308F}"/>
+              </a:ext>
+            </a:extLst>
+          </p:cNvPr>
+          <p:cNvSpPr>
+            <a:spLocks noGrp="1"/>
+          </p:cNvSpPr>
+          <p:nvPr>
+            <p:ph type="title"/>
+          </p:nvPr>
+        </p:nvSpPr>
+        <p:spPr/>
+        <p:txBody>
+          <a:bodyPr/>
+          <a:lstStyle/>
+          <a:p>
+            <a:r>
+              <a:rPr lang="en-US" dirty="0"/>
+              <a:t>Types and roles of guitar players</a:t>
+            </a:r>
+          </a:p>
+        </p:txBody>
+      </p:sp>
+      <p:sp>
+        <p:nvSpPr>
+          <p:cNvPr id="3" name="Content Placeholder 2">
+            <a:extLst>
+              <a:ext uri="{FF2B5EF4-FFF2-40B4-BE49-F238E27FC236}">
+                <a16:creationId xmlns:a16="http://schemas.microsoft.com/office/drawing/2014/main" xmlns="" id="{4C2D1B28-42FA-451E-9746-083582CA58E4}"/>
+              </a:ext>
+            </a:extLst>
+          </p:cNvPr>
+          <p:cNvSpPr>
+            <a:spLocks noGrp="1"/>
+          </p:cNvSpPr>
+          <p:nvPr>
+            <p:ph sz="quarter" idx="13"/>
+          </p:nvPr>
+        </p:nvSpPr>
+        <p:spPr>
+          <a:xfrm>
+            <a:off x="609599" y="1600200"/>
+            <a:ext cx="8085221" cy="4983162"/>
+          </a:xfrm>
+        </p:spPr>
+        <p:txBody>
+          <a:bodyPr>
+            <a:normAutofit/>
+          </a:bodyPr>
+          <a:lstStyle/>
+          <a:p>
+            <a:pPr marL="0" indent="0">
+              <a:buNone/>
+            </a:pPr>
+            <a:r>
+              <a:rPr lang="en-US" sz="2400" dirty="0" smtClean="0"/>
+              <a:t>Rhythm (Acoustic or Electric)</a:t>
+            </a:r>
+            <a:endParaRPr lang="en-US" sz="2400" dirty="0"/>
+          </a:p>
+          <a:p>
+            <a:pPr lvl="1" indent="-342900"/>
+            <a:r>
+              <a:rPr lang="en-US" sz="2400" dirty="0"/>
+              <a:t>provides all or part of the </a:t>
+            </a:r>
+            <a:r>
+              <a:rPr lang="en-US" sz="2400" b="1" dirty="0">
+                <a:solidFill>
+                  <a:srgbClr val="FF0000"/>
+                </a:solidFill>
+              </a:rPr>
+              <a:t>rhythmic</a:t>
+            </a:r>
+            <a:r>
+              <a:rPr lang="en-US" sz="2400" dirty="0"/>
+              <a:t> pulse in conjunction with singers or other instruments.</a:t>
+            </a:r>
+          </a:p>
+          <a:p>
+            <a:pPr lvl="1" indent="-342900"/>
+            <a:r>
+              <a:rPr lang="en-US" sz="2400" dirty="0"/>
+              <a:t>provides all or part of the </a:t>
+            </a:r>
+            <a:r>
+              <a:rPr lang="en-US" sz="2400" b="1" dirty="0">
+                <a:solidFill>
+                  <a:srgbClr val="FF0000"/>
+                </a:solidFill>
+              </a:rPr>
+              <a:t>harmony</a:t>
+            </a:r>
+            <a:r>
+              <a:rPr lang="en-US" sz="2400" dirty="0"/>
+              <a:t>, i.e. the chords.</a:t>
+            </a:r>
+          </a:p>
+          <a:p>
+            <a:pPr lvl="2" indent="-342900"/>
+            <a:r>
+              <a:rPr lang="en-US" sz="2400" dirty="0"/>
+              <a:t>cover up the spaces of the song</a:t>
+            </a:r>
+          </a:p>
+          <a:p>
+            <a:pPr marL="0" indent="0">
+              <a:buNone/>
+            </a:pPr>
+            <a:r>
+              <a:rPr lang="en-US" sz="2400" dirty="0" smtClean="0"/>
+              <a:t>Lead (mostly electric)</a:t>
+            </a:r>
+            <a:endParaRPr lang="en-US" sz="2400" dirty="0"/>
+          </a:p>
+          <a:p>
+            <a:pPr lvl="1" indent="-342900"/>
+            <a:r>
+              <a:rPr lang="en-US" sz="2400" dirty="0"/>
+              <a:t>plays solos (</a:t>
+            </a:r>
+            <a:r>
+              <a:rPr lang="en-US" sz="2400" b="1" dirty="0">
+                <a:solidFill>
+                  <a:srgbClr val="FF0000"/>
+                </a:solidFill>
+              </a:rPr>
+              <a:t>melody</a:t>
+            </a:r>
+            <a:r>
+              <a:rPr lang="en-US" sz="2400" dirty="0"/>
+              <a:t>) </a:t>
+            </a:r>
+            <a:r>
+              <a:rPr lang="en-US" sz="2400" dirty="0" smtClean="0"/>
+              <a:t>or riffs </a:t>
+            </a:r>
+            <a:r>
+              <a:rPr lang="en-US" sz="2400" dirty="0"/>
+              <a:t>(audible guitar lines)</a:t>
+            </a:r>
+          </a:p>
+          <a:p>
+            <a:pPr lvl="1" indent="-342900"/>
+            <a:r>
+              <a:rPr lang="en-US" sz="2400" dirty="0"/>
+              <a:t>gives special effects to the song </a:t>
+            </a:r>
+            <a:r>
+              <a:rPr lang="en-US" sz="2400" dirty="0" smtClean="0"/>
+              <a:t>(</a:t>
+            </a:r>
+            <a:r>
+              <a:rPr lang="en-US" sz="2400" dirty="0" err="1" smtClean="0"/>
+              <a:t>i.e</a:t>
+            </a:r>
+            <a:r>
+              <a:rPr lang="en-US" sz="2400" dirty="0" smtClean="0"/>
+              <a:t>, swells</a:t>
+            </a:r>
+            <a:r>
+              <a:rPr lang="en-US" sz="2400" dirty="0"/>
+              <a:t>, worship ambience)</a:t>
+            </a:r>
+          </a:p>
+          <a:p>
+            <a:pPr marL="400050" lvl="1" indent="0">
+              <a:buNone/>
+            </a:pPr>
+            <a:endParaRPr lang="en-US" sz="2400" dirty="0"/>
+          </a:p>
+        </p:txBody>
+      </p:sp>
+    </p:spTree>
+    <p:extLst>
+      <p:ext uri="{BB962C8B-B14F-4D97-AF65-F5344CB8AC3E}">
+        <p14:creationId xmlns:p14="http://schemas.microsoft.com/office/powerpoint/2010/main" val="241813140"/>
+      </p:ext>
+    </p:extLst>
+  </p:cSld>
+  <p:clrMapOvr>
+    <a:masterClrMapping/>
+  </p:clrMapOvr>
+  <p:timing>
+    <p:tnLst>
+      <p:par>
+        <p:cTn xmlns:p14="http://schemas.microsoft.com/office/powerpoint/2010/main" id="1" dur="indefinite" restart="never" nodeType="tmRoot">
+          <p:childTnLst>
+            <p:seq concurrent="1" nextAc="seek">
+              <p:cTn id="2" dur="indefinite" nodeType="mainSeq">
+                <p:childTnLst>
+                  <p:par>
+                    <p:cTn id="3" fill="hold">
+                      <p:stCondLst>
+                        <p:cond delay="indefinite"/>
+                        <p:cond evt="onBegin" delay="0">
+                          <p:tn val="2"/>
+                        </p:cond>
+                      </p:stCondLst>
+                      <p:childTnLst>
+                        <p:par>
+                          <p:cTn id="4" fill="hold">
+                            <p:stCondLst>
+                              <p:cond delay="0"/>
+                            </p:stCondLst>
+                            <p:childTnLst>
+                              <p:par>
+                                <p:cTn id="5" presetID="22" presetClass="entr" presetSubtype="4" fill="hold" nodeType="withEffect">
+                                  <p:stCondLst>
+                                    <p:cond delay="0"/>
+                                  </p:stCondLst>
+                                  <p:childTnLst>
+                                    <p:set>
+                                      <p:cBhvr>
+                                        <p:cTn id="6" dur="1" fill="hold">
+                                          <p:stCondLst>
+                                            <p:cond delay="0"/>
+                                          </p:stCondLst>
+                                        </p:cTn>
+                                        <p:tgtEl>
+                                          <p:spTgt spid="3">
+                                            <p:txEl>
+                                              <p:pRg st="0" end="0"/>
+                                            </p:txEl>
+                                          </p:spTgt>
+                                        </p:tgtEl>
+                                        <p:attrNameLst>
+                                          <p:attrName>style.visibility</p:attrName>
+                                        </p:attrNameLst>
+                                      </p:cBhvr>
+                                      <p:to>
+                                        <p:strVal val="visible"/>
+                                      </p:to>
+                                    </p:set>
+                                    <p:animEffect transition="in" filter="wipe(down)">
+                                      <p:cBhvr>
+                                        <p:cTn id="7" dur="500"/>
+                                        <p:tgtEl>
+                                          <p:spTgt spid="3">
+                                            <p:txEl>
+                                              <p:pRg st="0" end="0"/>
+                                            </p:txEl>
+                                          </p:spTgt>
+                                        </p:tgtEl>
+                                      </p:cBhvr>
+                                    </p:animEffect>
+                                  </p:childTnLst>
+                                </p:cTn>
+                              </p:par>
+                            </p:childTnLst>
+                          </p:cTn>
+                        </p:par>
+                      </p:childTnLst>
+                    </p:cTn>
+                  </p:par>
+                  <p:par>
+                    <p:cTn id="8" fill="hold">
+                      <p:stCondLst>
+                        <p:cond delay="indefinite"/>
+                      </p:stCondLst>
+                      <p:childTnLst>
+                        <p:par>
+                          <p:cTn id="9" fill="hold">
+                            <p:stCondLst>
+                              <p:cond delay="0"/>
+                            </p:stCondLst>
+                            <p:childTnLst>
+                              <p:par>
+                                <p:cTn id="10" presetID="22" presetClass="entr" presetSubtype="4" fill="hold" nodeType="clickEffect">
+                                  <p:stCondLst>
+                                    <p:cond delay="0"/>
+                                  </p:stCondLst>
+                                  <p:childTnLst>
+                                    <p:set>
+                                      <p:cBhvr>
+                                        <p:cTn id="11" dur="1" fill="hold">
+                                          <p:stCondLst>
+                                            <p:cond delay="0"/>
+                                          </p:stCondLst>
+                                        </p:cTn>
+                                        <p:tgtEl>
+                                          <p:spTgt spid="3">
+                                            <p:txEl>
+                                              <p:pRg st="4" end="4"/>
+                                            </p:txEl>
+                                          </p:spTgt>
+                                        </p:tgtEl>
+                                        <p:attrNameLst>
+                                          <p:attrName>style.visibility</p:attrName>
+                                        </p:attrNameLst>
+                                      </p:cBhvr>
+                                      <p:to>
+                                        <p:strVal val="visible"/>
+                                      </p:to>
+                                    </p:set>
+                                    <p:animEffect transition="in" filter="wipe(down)">
+                                      <p:cBhvr>
+                                        <p:cTn id="12" dur="500"/>
+                                        <p:tgtEl>
+                                          <p:spTgt spid="3">
+                                            <p:txEl>
+                                              <p:pRg st="4" end="4"/>
+                                            </p:txEl>
+                                          </p:spTgt>
+                                        </p:tgtEl>
+                                      </p:cBhvr>
+                                    </p:animEffect>
+                                  </p:childTnLst>
+                                </p:cTn>
+                              </p:par>
+                            </p:childTnLst>
+                          </p:cTn>
+                        </p:par>
+                      </p:childTnLst>
+                    </p:cTn>
+                  </p:par>
+                  <p:par>
+                    <p:cTn id="13" fill="hold">
+                      <p:stCondLst>
+                        <p:cond delay="indefinite"/>
+                      </p:stCondLst>
+                      <p:childTnLst>
+                        <p:par>
+                          <p:cTn id="14" fill="hold">
+                            <p:stCondLst>
+                              <p:cond delay="0"/>
+                            </p:stCondLst>
+                            <p:childTnLst>
+                              <p:par>
+                                <p:cTn id="15" presetID="22" presetClass="entr" presetSubtype="4" fill="hold" nodeType="clickEffect">
+                                  <p:stCondLst>
+                                    <p:cond delay="0"/>
+                                  </p:stCondLst>
+                                  <p:childTnLst>
+                                    <p:set>
+                                      <p:cBhvr>
+                                        <p:cTn id="16" dur="1" fill="hold">
+                                          <p:stCondLst>
+                                            <p:cond delay="0"/>
+                                          </p:stCondLst>
+                                        </p:cTn>
+                                        <p:tgtEl>
+                                          <p:spTgt spid="3">
+                                            <p:txEl>
+                                              <p:pRg st="1" end="1"/>
+                                            </p:txEl>
+                                          </p:spTgt>
+                                        </p:tgtEl>
+                                        <p:attrNameLst>
+                                          <p:attrName>style.visibility</p:attrName>
+                                        </p:attrNameLst>
+                                      </p:cBhvr>
+                                      <p:to>
+                                        <p:strVal val="visible"/>
+                                      </p:to>
+                                    </p:set>
+                                    <p:animEffect transition="in" filter="wipe(down)">
+                                      <p:cBhvr>
+                                        <p:cTn id="17" dur="500"/>
+                                        <p:tgtEl>
+                                          <p:spTgt spid="3">
+                                            <p:txEl>
+                                              <p:pRg st="1" end="1"/>
+                                            </p:txEl>
+                                          </p:spTgt>
+                                        </p:tgtEl>
+                                      </p:cBhvr>
+                                    </p:animEffect>
+                                  </p:childTnLst>
+                                </p:cTn>
+                              </p:par>
+                              <p:par>
+                                <p:cTn id="18" presetID="22" presetClass="entr" presetSubtype="4" fill="hold" nodeType="withEffect">
+                                  <p:stCondLst>
+                                    <p:cond delay="0"/>
+                                  </p:stCondLst>
+                                  <p:childTnLst>
+                                    <p:set>
+                                      <p:cBhvr>
+                                        <p:cTn id="19" dur="1" fill="hold">
+                                          <p:stCondLst>
+                                            <p:cond delay="0"/>
+                                          </p:stCondLst>
+                                        </p:cTn>
+                                        <p:tgtEl>
+                                          <p:spTgt spid="3">
+                                            <p:txEl>
+                                              <p:pRg st="2" end="2"/>
+                                            </p:txEl>
+                                          </p:spTgt>
+                                        </p:tgtEl>
+                                        <p:attrNameLst>
+                                          <p:attrName>style.visibility</p:attrName>
+                                        </p:attrNameLst>
+                                      </p:cBhvr>
+                                      <p:to>
+                                        <p:strVal val="visible"/>
+                                      </p:to>
+                                    </p:set>
+                                    <p:animEffect transition="in" filter="wipe(down)">
+                                      <p:cBhvr>
+                                        <p:cTn id="20" dur="500"/>
+                                        <p:tgtEl>
+                                          <p:spTgt spid="3">
+                                            <p:txEl>
+                                              <p:pRg st="2" end="2"/>
+                                            </p:txEl>
+                                          </p:spTgt>
+                                        </p:tgtEl>
+                                      </p:cBhvr>
+                                    </p:animEffect>
+                                  </p:childTnLst>
+                                </p:cTn>
+                              </p:par>
+                              <p:par>
+                                <p:cTn id="21" presetID="22" presetClass="entr" presetSubtype="4" fill="hold" nodeType="withEffect">
+                                  <p:stCondLst>
+                                    <p:cond delay="0"/>
+                                  </p:stCondLst>
+                                  <p:childTnLst>
+                                    <p:set>
+                                      <p:cBhvr>
+                                        <p:cTn id="22" dur="1" fill="hold">
+                                          <p:stCondLst>
+                                            <p:cond delay="0"/>
+                                          </p:stCondLst>
+                                        </p:cTn>
+                                        <p:tgtEl>
+                                          <p:spTgt spid="3">
+                                            <p:txEl>
+                                              <p:pRg st="3" end="3"/>
+                                            </p:txEl>
+                                          </p:spTgt>
+                                        </p:tgtEl>
+                                        <p:attrNameLst>
+                                          <p:attrName>style.visibility</p:attrName>
+                                        </p:attrNameLst>
+                                      </p:cBhvr>
+                                      <p:to>
+                                        <p:strVal val="visible"/>
+                                      </p:to>
+                                    </p:set>
+                                    <p:animEffect transition="in" filter="wipe(down)">
+                                      <p:cBhvr>
+                                        <p:cTn id="23" dur="500"/>
+                                        <p:tgtEl>
+                                          <p:spTgt spid="3">
+                                            <p:txEl>
+                                              <p:pRg st="3" end="3"/>
+                                            </p:txEl>
+                                          </p:spTgt>
+                                        </p:tgtEl>
+                                      </p:cBhvr>
+                                    </p:animEffect>
+                                  </p:childTnLst>
+                                </p:cTn>
+                              </p:par>
+                            </p:childTnLst>
+                          </p:cTn>
+                        </p:par>
+                      </p:childTnLst>
+                    </p:cTn>
+                  </p:par>
+                  <p:par>
+                    <p:cTn id="24" fill="hold">
+                      <p:stCondLst>
+                        <p:cond delay="indefinite"/>
+                      </p:stCondLst>
+                      <p:childTnLst>
+                        <p:par>
+                          <p:cTn id="25" fill="hold">
+                            <p:stCondLst>
+                              <p:cond delay="0"/>
+                            </p:stCondLst>
+                            <p:childTnLst>
+                              <p:par>
+                                <p:cTn id="26" presetID="22" presetClass="entr" presetSubtype="4" fill="hold" nodeType="clickEffect">
+                                  <p:stCondLst>
+                                    <p:cond delay="0"/>
+                                  </p:stCondLst>
+                                  <p:childTnLst>
+                                    <p:set>
+                                      <p:cBhvr>
+                                        <p:cTn id="27" dur="1" fill="hold">
+                                          <p:stCondLst>
+                                            <p:cond delay="0"/>
+                                          </p:stCondLst>
+                                        </p:cTn>
+                                        <p:tgtEl>
+                                          <p:spTgt spid="3">
+                                            <p:txEl>
+                                              <p:pRg st="5" end="5"/>
+                                            </p:txEl>
+                                          </p:spTgt>
+                                        </p:tgtEl>
+                                        <p:attrNameLst>
+                                          <p:attrName>style.visibility</p:attrName>
+                                        </p:attrNameLst>
+                                      </p:cBhvr>
+                                      <p:to>
+                                        <p:strVal val="visible"/>
+                                      </p:to>
+                                    </p:set>
+                                    <p:animEffect transition="in" filter="wipe(down)">
+                                      <p:cBhvr>
+                                        <p:cTn id="28" dur="500"/>
+                                        <p:tgtEl>
+                                          <p:spTgt spid="3">
+                                            <p:txEl>
+                                              <p:pRg st="5" end="5"/>
+                                            </p:txEl>
+                                          </p:spTgt>
+                                        </p:tgtEl>
+                                      </p:cBhvr>
+                                    </p:animEffect>
+                                  </p:childTnLst>
+                                </p:cTn>
+                              </p:par>
+                              <p:par>
+                                <p:cTn id="29" presetID="22" presetClass="entr" presetSubtype="4" fill="hold" nodeType="withEffect">
+                                  <p:stCondLst>
+                                    <p:cond delay="0"/>
+                                  </p:stCondLst>
+                                  <p:childTnLst>
+                                    <p:set>
+                                      <p:cBhvr>
+                                        <p:cTn id="30" dur="1" fill="hold">
+                                          <p:stCondLst>
+                                            <p:cond delay="0"/>
+                                          </p:stCondLst>
+                                        </p:cTn>
+                                        <p:tgtEl>
+                                          <p:spTgt spid="3">
+                                            <p:txEl>
+                                              <p:pRg st="6" end="6"/>
+                                            </p:txEl>
+                                          </p:spTgt>
+                                        </p:tgtEl>
+                                        <p:attrNameLst>
+                                          <p:attrName>style.visibility</p:attrName>
+                                        </p:attrNameLst>
+                                      </p:cBhvr>
+                                      <p:to>
+                                        <p:strVal val="visible"/>
+                                      </p:to>
+                                    </p:set>
+                                    <p:animEffect transition="in" filter="wipe(down)">
+                                      <p:cBhvr>
+                                        <p:cTn id="31" dur="500"/>
+                                        <p:tgtEl>
+                                          <p:spTgt spid="3">
+                                            <p:txEl>
+                                              <p:pRg st="6" end="6"/>
+                                            </p:txEl>
+                                          </p:spTgt>
+                                        </p:tgtEl>
+                                      </p:cBhvr>
+                                    </p:animEffect>
+                                  </p:childTnLst>
+                                </p:cTn>
+                              </p:par>
+                            </p:childTnLst>
+                          </p:cTn>
+                        </p:par>
+                      </p:childTnLst>
+                    </p:cTn>
+                  </p:par>
+                </p:childTnLst>
+              </p:cTn>
+              <p:prevCondLst>
+                <p:cond evt="onPrev" delay="0">
+                  <p:tgtEl>
+                    <p:sldTgt/>
+                  </p:tgtEl>
+                </p:cond>
+              </p:prevCondLst>
+              <p:nextCondLst>
+                <p:cond evt="onNext" delay="0">
+                  <p:tgtEl>
+                    <p:sldTgt/>
+                  </p:tgtEl>
+                </p:cond>
+              </p:nextCondLst>
+            </p:seq>
+          </p:childTnLst>
+        </p:cTn>
+      </p:par>
+    </p:tnLst>
+  </p:timing>
+</p:sld>
+</file>
+
+<file path=ppt/slides/slide15.xml><?xml version="1.0" encoding="utf-8"?>
 <p:sld xmlns:a="http://schemas.openxmlformats.org/drawingml/2006/main" xmlns:r="http://schemas.openxmlformats.org/officeDocument/2006/relationships" xmlns:p="http://schemas.openxmlformats.org/presentationml/2006/main">
   <p:cSld>
     <p:spTree>
@@ -4084,10 +4714,17 @@
   <p:clrMapOvr>
     <a:masterClrMapping/>
   </p:clrMapOvr>
+  <p:timing>
+    <p:tnLst>
+      <p:par>
+        <p:cTn xmlns:p14="http://schemas.microsoft.com/office/powerpoint/2010/main" id="1" dur="indefinite" restart="never" nodeType="tmRoot"/>
+      </p:par>
+    </p:tnLst>
+  </p:timing>
 </p:sld>
 </file>
 
-<file path=ppt/slides/slide15.xml><?xml version="1.0" encoding="utf-8"?>
+<file path=ppt/slides/slide16.xml><?xml version="1.0" encoding="utf-8"?>
 <p:sld xmlns:a="http://schemas.openxmlformats.org/drawingml/2006/main" xmlns:r="http://schemas.openxmlformats.org/officeDocument/2006/relationships" xmlns:p="http://schemas.openxmlformats.org/presentationml/2006/main">
   <p:cSld>
     <p:spTree>
@@ -4166,10 +4803,17 @@
   <p:clrMapOvr>
     <a:masterClrMapping/>
   </p:clrMapOvr>
+  <p:timing>
+    <p:tnLst>
+      <p:par>
+        <p:cTn xmlns:p14="http://schemas.microsoft.com/office/powerpoint/2010/main" id="1" dur="indefinite" restart="never" nodeType="tmRoot"/>
+      </p:par>
+    </p:tnLst>
+  </p:timing>
 </p:sld>
 </file>
 
-<file path=ppt/slides/slide16.xml><?xml version="1.0" encoding="utf-8"?>
+<file path=ppt/slides/slide17.xml><?xml version="1.0" encoding="utf-8"?>
 <p:sld xmlns:a="http://schemas.openxmlformats.org/drawingml/2006/main" xmlns:r="http://schemas.openxmlformats.org/officeDocument/2006/relationships" xmlns:p="http://schemas.openxmlformats.org/presentationml/2006/main">
   <p:cSld>
     <p:spTree>
@@ -4249,10 +4893,17 @@
   <p:clrMapOvr>
     <a:masterClrMapping/>
   </p:clrMapOvr>
+  <p:timing>
+    <p:tnLst>
+      <p:par>
+        <p:cTn xmlns:p14="http://schemas.microsoft.com/office/powerpoint/2010/main" id="1" dur="indefinite" restart="never" nodeType="tmRoot"/>
+      </p:par>
+    </p:tnLst>
+  </p:timing>
 </p:sld>
 </file>
 
-<file path=ppt/slides/slide17.xml><?xml version="1.0" encoding="utf-8"?>
+<file path=ppt/slides/slide18.xml><?xml version="1.0" encoding="utf-8"?>
 <p:sld xmlns:a="http://schemas.openxmlformats.org/drawingml/2006/main" xmlns:r="http://schemas.openxmlformats.org/officeDocument/2006/relationships" xmlns:p="http://schemas.openxmlformats.org/presentationml/2006/main">
   <p:cSld>
     <p:spTree>
@@ -4391,10 +5042,17 @@
   <p:clrMapOvr>
     <a:masterClrMapping/>
   </p:clrMapOvr>
+  <p:timing>
+    <p:tnLst>
+      <p:par>
+        <p:cTn xmlns:p14="http://schemas.microsoft.com/office/powerpoint/2010/main" id="1" dur="indefinite" restart="never" nodeType="tmRoot"/>
+      </p:par>
+    </p:tnLst>
+  </p:timing>
 </p:sld>
 </file>
 
-<file path=ppt/slides/slide18.xml><?xml version="1.0" encoding="utf-8"?>
+<file path=ppt/slides/slide19.xml><?xml version="1.0" encoding="utf-8"?>
 <p:sld xmlns:a="http://schemas.openxmlformats.org/drawingml/2006/main" xmlns:r="http://schemas.openxmlformats.org/officeDocument/2006/relationships" xmlns:p="http://schemas.openxmlformats.org/presentationml/2006/main">
   <p:cSld>
     <p:spTree>
@@ -4547,10 +5205,173 @@
   <p:clrMapOvr>
     <a:masterClrMapping/>
   </p:clrMapOvr>
+  <p:timing>
+    <p:tnLst>
+      <p:par>
+        <p:cTn xmlns:p14="http://schemas.microsoft.com/office/powerpoint/2010/main" id="1" dur="indefinite" restart="never" nodeType="tmRoot"/>
+      </p:par>
+    </p:tnLst>
+  </p:timing>
 </p:sld>
 </file>
 
-<file path=ppt/slides/slide19.xml><?xml version="1.0" encoding="utf-8"?>
+<file path=ppt/slides/slide2.xml><?xml version="1.0" encoding="utf-8"?>
+<p:sld xmlns:a="http://schemas.openxmlformats.org/drawingml/2006/main" xmlns:r="http://schemas.openxmlformats.org/officeDocument/2006/relationships" xmlns:p="http://schemas.openxmlformats.org/presentationml/2006/main">
+  <p:cSld>
+    <p:spTree>
+      <p:nvGrpSpPr>
+        <p:cNvPr id="1" name=""/>
+        <p:cNvGrpSpPr/>
+        <p:nvPr/>
+      </p:nvGrpSpPr>
+      <p:grpSpPr>
+        <a:xfrm>
+          <a:off x="0" y="0"/>
+          <a:ext cx="0" cy="0"/>
+          <a:chOff x="0" y="0"/>
+          <a:chExt cx="0" cy="0"/>
+        </a:xfrm>
+      </p:grpSpPr>
+      <p:sp>
+        <p:nvSpPr>
+          <p:cNvPr id="3" name="Title 2"/>
+          <p:cNvSpPr>
+            <a:spLocks noGrp="1"/>
+          </p:cNvSpPr>
+          <p:nvPr>
+            <p:ph type="ctrTitle"/>
+          </p:nvPr>
+        </p:nvSpPr>
+        <p:spPr/>
+        <p:txBody>
+          <a:bodyPr/>
+          <a:lstStyle/>
+          <a:p>
+            <a:r>
+              <a:rPr lang="en-US" dirty="0" smtClean="0"/>
+              <a:t>GUITAR 101</a:t>
+            </a:r>
+            <a:br>
+              <a:rPr lang="en-US" dirty="0" smtClean="0"/>
+            </a:br>
+            <a:r>
+              <a:rPr lang="en-US" dirty="0" smtClean="0"/>
+              <a:t/>
+            </a:r>
+            <a:br>
+              <a:rPr lang="en-US" dirty="0" smtClean="0"/>
+            </a:br>
+            <a:r>
+              <a:rPr lang="en-US" dirty="0" smtClean="0"/>
+              <a:t>The BEGINNER </a:t>
+            </a:r>
+            <a:r>
+              <a:rPr lang="en-US" dirty="0"/>
+              <a:t>COURSE : week 1</a:t>
+            </a:r>
+          </a:p>
+        </p:txBody>
+      </p:sp>
+    </p:spTree>
+    <p:extLst>
+      <p:ext uri="{BB962C8B-B14F-4D97-AF65-F5344CB8AC3E}">
+        <p14:creationId xmlns:p14="http://schemas.microsoft.com/office/powerpoint/2010/main" val="3644236356"/>
+      </p:ext>
+    </p:extLst>
+  </p:cSld>
+  <p:clrMapOvr>
+    <a:masterClrMapping/>
+  </p:clrMapOvr>
+  <p:timing>
+    <p:tnLst>
+      <p:par>
+        <p:cTn xmlns:p14="http://schemas.microsoft.com/office/powerpoint/2010/main" id="1" dur="indefinite" restart="never" nodeType="tmRoot">
+          <p:childTnLst>
+            <p:seq concurrent="1" nextAc="seek">
+              <p:cTn id="2" dur="indefinite" nodeType="mainSeq">
+                <p:childTnLst>
+                  <p:par>
+                    <p:cTn id="3" fill="hold">
+                      <p:stCondLst>
+                        <p:cond delay="indefinite"/>
+                      </p:stCondLst>
+                      <p:childTnLst>
+                        <p:par>
+                          <p:cTn id="4" fill="hold">
+                            <p:stCondLst>
+                              <p:cond delay="0"/>
+                            </p:stCondLst>
+                            <p:childTnLst>
+                              <p:par>
+                                <p:cTn id="5" presetID="22" presetClass="entr" presetSubtype="4" fill="hold" grpId="0" nodeType="clickEffect">
+                                  <p:stCondLst>
+                                    <p:cond delay="0"/>
+                                  </p:stCondLst>
+                                  <p:childTnLst>
+                                    <p:set>
+                                      <p:cBhvr>
+                                        <p:cTn id="6" dur="1" fill="hold">
+                                          <p:stCondLst>
+                                            <p:cond delay="0"/>
+                                          </p:stCondLst>
+                                        </p:cTn>
+                                        <p:tgtEl>
+                                          <p:spTgt spid="3"/>
+                                        </p:tgtEl>
+                                        <p:attrNameLst>
+                                          <p:attrName>style.visibility</p:attrName>
+                                        </p:attrNameLst>
+                                      </p:cBhvr>
+                                      <p:to>
+                                        <p:strVal val="visible"/>
+                                      </p:to>
+                                    </p:set>
+                                    <p:animEffect transition="in" filter="wipe(down)">
+                                      <p:cBhvr>
+                                        <p:cTn id="7" dur="500"/>
+                                        <p:tgtEl>
+                                          <p:spTgt spid="3"/>
+                                        </p:tgtEl>
+                                      </p:cBhvr>
+                                    </p:animEffect>
+                                  </p:childTnLst>
+                                </p:cTn>
+                              </p:par>
+                            </p:childTnLst>
+                          </p:cTn>
+                        </p:par>
+                      </p:childTnLst>
+                    </p:cTn>
+                  </p:par>
+                </p:childTnLst>
+              </p:cTn>
+              <p:prevCondLst>
+                <p:cond evt="onPrev" delay="0">
+                  <p:tgtEl>
+                    <p:sldTgt/>
+                  </p:tgtEl>
+                </p:cond>
+              </p:prevCondLst>
+              <p:nextCondLst>
+                <p:cond evt="onNext" delay="0">
+                  <p:tgtEl>
+                    <p:sldTgt/>
+                  </p:tgtEl>
+                </p:cond>
+              </p:nextCondLst>
+            </p:seq>
+          </p:childTnLst>
+        </p:cTn>
+      </p:par>
+    </p:tnLst>
+    <p:bldLst>
+      <p:bldP spid="3" grpId="0"/>
+    </p:bldLst>
+  </p:timing>
+</p:sld>
+</file>
+
+<file path=ppt/slides/slide20.xml><?xml version="1.0" encoding="utf-8"?>
 <p:sld xmlns:a="http://schemas.openxmlformats.org/drawingml/2006/main" xmlns:r="http://schemas.openxmlformats.org/officeDocument/2006/relationships" xmlns:p="http://schemas.openxmlformats.org/presentationml/2006/main">
   <p:cSld>
     <p:spTree>
@@ -4748,10 +5569,17 @@
   <p:clrMapOvr>
     <a:masterClrMapping/>
   </p:clrMapOvr>
+  <p:timing>
+    <p:tnLst>
+      <p:par>
+        <p:cTn xmlns:p14="http://schemas.microsoft.com/office/powerpoint/2010/main" id="1" dur="indefinite" restart="never" nodeType="tmRoot"/>
+      </p:par>
+    </p:tnLst>
+  </p:timing>
 </p:sld>
 </file>
 
-<file path=ppt/slides/slide2.xml><?xml version="1.0" encoding="utf-8"?>
+<file path=ppt/slides/slide21.xml><?xml version="1.0" encoding="utf-8"?>
 <p:sld xmlns:a="http://schemas.openxmlformats.org/drawingml/2006/main" xmlns:r="http://schemas.openxmlformats.org/officeDocument/2006/relationships" xmlns:p="http://schemas.openxmlformats.org/presentationml/2006/main">
   <p:cSld>
     <p:spTree>
@@ -4770,12 +5598,12 @@
       </p:grpSpPr>
       <p:sp>
         <p:nvSpPr>
-          <p:cNvPr id="3" name="Title 2"/>
+          <p:cNvPr id="2" name="Title 1"/>
           <p:cNvSpPr>
             <a:spLocks noGrp="1"/>
           </p:cNvSpPr>
           <p:nvPr>
-            <p:ph type="ctrTitle"/>
+            <p:ph type="title"/>
           </p:nvPr>
         </p:nvSpPr>
         <p:spPr/>
@@ -4785,43 +5613,560 @@
           <a:p>
             <a:r>
               <a:rPr lang="en-US" dirty="0" smtClean="0"/>
-              <a:t>GUITAR 101</a:t>
-            </a:r>
-            <a:br>
-              <a:rPr lang="en-US" dirty="0" smtClean="0"/>
-            </a:br>
-            <a:r>
-              <a:rPr lang="en-US" dirty="0" smtClean="0"/>
-              <a:t/>
-            </a:r>
-            <a:br>
-              <a:rPr lang="en-US" dirty="0" smtClean="0"/>
-            </a:br>
-            <a:r>
-              <a:rPr lang="en-US" dirty="0" smtClean="0"/>
-              <a:t>The BEGINNER </a:t>
-            </a:r>
-            <a:r>
-              <a:rPr lang="en-US" dirty="0"/>
-              <a:t>COURSE : week 1</a:t>
-            </a:r>
+              <a:t>Basic strumming</a:t>
+            </a:r>
+            <a:endParaRPr lang="en-US" dirty="0"/>
+          </a:p>
+        </p:txBody>
+      </p:sp>
+      <p:sp>
+        <p:nvSpPr>
+          <p:cNvPr id="3" name="Content Placeholder 2"/>
+          <p:cNvSpPr>
+            <a:spLocks noGrp="1"/>
+          </p:cNvSpPr>
+          <p:nvPr>
+            <p:ph sz="quarter" idx="13"/>
+          </p:nvPr>
+        </p:nvSpPr>
+        <p:spPr/>
+        <p:txBody>
+          <a:bodyPr>
+            <a:normAutofit fontScale="92500" lnSpcReduction="20000"/>
+          </a:bodyPr>
+          <a:lstStyle/>
+          <a:p>
+            <a:r>
+              <a:rPr lang="en-US" sz="2400" dirty="0" smtClean="0"/>
+              <a:t>Most common time signatures</a:t>
+            </a:r>
+          </a:p>
+          <a:p>
+            <a:pPr lvl="1"/>
+            <a:r>
+              <a:rPr lang="en-US" sz="2400" dirty="0" smtClean="0"/>
+              <a:t>2/4</a:t>
+            </a:r>
+          </a:p>
+          <a:p>
+            <a:pPr lvl="1"/>
+            <a:r>
+              <a:rPr lang="en-US" sz="2400" dirty="0" smtClean="0"/>
+              <a:t>4/4</a:t>
+            </a:r>
+          </a:p>
+          <a:p>
+            <a:pPr lvl="1"/>
+            <a:r>
+              <a:rPr lang="en-US" sz="2400" dirty="0" smtClean="0"/>
+              <a:t>3/4</a:t>
+            </a:r>
+            <a:endParaRPr lang="en-US" sz="2400" dirty="0" smtClean="0"/>
+          </a:p>
+          <a:p>
+            <a:pPr marL="0" indent="0">
+              <a:buNone/>
+            </a:pPr>
+            <a:endParaRPr lang="en-US" sz="2400" dirty="0"/>
+          </a:p>
+          <a:p>
+            <a:r>
+              <a:rPr lang="en-US" sz="2400" dirty="0" smtClean="0"/>
+              <a:t>4/4 </a:t>
+            </a:r>
+            <a:r>
+              <a:rPr lang="en-US" sz="2400" dirty="0" smtClean="0"/>
+              <a:t>time signature</a:t>
+            </a:r>
+            <a:r>
+              <a:rPr lang="mr-IN" sz="2400" dirty="0" smtClean="0"/>
+              <a:t>–</a:t>
+            </a:r>
+            <a:r>
+              <a:rPr lang="en-US" sz="2400" dirty="0" smtClean="0"/>
+              <a:t> </a:t>
+            </a:r>
+            <a:r>
+              <a:rPr lang="en-US" sz="2400" dirty="0" smtClean="0"/>
+              <a:t>most basic beat in music</a:t>
+            </a:r>
+          </a:p>
+          <a:p>
+            <a:pPr lvl="1"/>
+            <a:r>
+              <a:rPr lang="en-US" sz="2400" dirty="0" smtClean="0"/>
+              <a:t>4 counts down strumming</a:t>
+            </a:r>
+          </a:p>
+          <a:p>
+            <a:pPr marL="457200" lvl="1" indent="0">
+              <a:buNone/>
+            </a:pPr>
+            <a:endParaRPr lang="en-US" sz="2400" dirty="0" smtClean="0"/>
+          </a:p>
+          <a:p>
+            <a:pPr lvl="1"/>
+            <a:r>
+              <a:rPr lang="en-US" sz="2400" dirty="0" smtClean="0"/>
+              <a:t>Best accompanied with foot tapping</a:t>
+            </a:r>
+          </a:p>
+          <a:p>
+            <a:pPr lvl="2"/>
+            <a:r>
+              <a:rPr lang="en-US" sz="2400" dirty="0" smtClean="0"/>
+              <a:t>To get locked-in with the </a:t>
+            </a:r>
+            <a:r>
+              <a:rPr lang="en-US" sz="2400" dirty="0" smtClean="0"/>
+              <a:t>rhythm</a:t>
+            </a:r>
+            <a:endParaRPr lang="en-US" sz="2400" dirty="0"/>
           </a:p>
         </p:txBody>
       </p:sp>
     </p:spTree>
     <p:extLst>
       <p:ext uri="{BB962C8B-B14F-4D97-AF65-F5344CB8AC3E}">
-        <p14:creationId xmlns:p14="http://schemas.microsoft.com/office/powerpoint/2010/main" val="3644236356"/>
+        <p14:creationId xmlns:p14="http://schemas.microsoft.com/office/powerpoint/2010/main" val="1733503009"/>
       </p:ext>
     </p:extLst>
   </p:cSld>
   <p:clrMapOvr>
     <a:masterClrMapping/>
   </p:clrMapOvr>
+  <p:timing>
+    <p:tnLst>
+      <p:par>
+        <p:cTn xmlns:p14="http://schemas.microsoft.com/office/powerpoint/2010/main" id="1" dur="indefinite" restart="never" nodeType="tmRoot">
+          <p:childTnLst>
+            <p:seq concurrent="1" nextAc="seek">
+              <p:cTn id="2" dur="indefinite" nodeType="mainSeq">
+                <p:childTnLst>
+                  <p:par>
+                    <p:cTn id="3" fill="hold">
+                      <p:stCondLst>
+                        <p:cond delay="indefinite"/>
+                      </p:stCondLst>
+                      <p:childTnLst>
+                        <p:par>
+                          <p:cTn id="4" fill="hold">
+                            <p:stCondLst>
+                              <p:cond delay="0"/>
+                            </p:stCondLst>
+                            <p:childTnLst>
+                              <p:par>
+                                <p:cTn id="5" presetID="22" presetClass="entr" presetSubtype="4" fill="hold" nodeType="clickEffect">
+                                  <p:stCondLst>
+                                    <p:cond delay="0"/>
+                                  </p:stCondLst>
+                                  <p:childTnLst>
+                                    <p:set>
+                                      <p:cBhvr>
+                                        <p:cTn id="6" dur="1" fill="hold">
+                                          <p:stCondLst>
+                                            <p:cond delay="0"/>
+                                          </p:stCondLst>
+                                        </p:cTn>
+                                        <p:tgtEl>
+                                          <p:spTgt spid="3">
+                                            <p:txEl>
+                                              <p:pRg st="0" end="0"/>
+                                            </p:txEl>
+                                          </p:spTgt>
+                                        </p:tgtEl>
+                                        <p:attrNameLst>
+                                          <p:attrName>style.visibility</p:attrName>
+                                        </p:attrNameLst>
+                                      </p:cBhvr>
+                                      <p:to>
+                                        <p:strVal val="visible"/>
+                                      </p:to>
+                                    </p:set>
+                                    <p:animEffect transition="in" filter="wipe(down)">
+                                      <p:cBhvr>
+                                        <p:cTn id="7" dur="500"/>
+                                        <p:tgtEl>
+                                          <p:spTgt spid="3">
+                                            <p:txEl>
+                                              <p:pRg st="0" end="0"/>
+                                            </p:txEl>
+                                          </p:spTgt>
+                                        </p:tgtEl>
+                                      </p:cBhvr>
+                                    </p:animEffect>
+                                  </p:childTnLst>
+                                </p:cTn>
+                              </p:par>
+                              <p:par>
+                                <p:cTn id="8" presetID="22" presetClass="entr" presetSubtype="4" fill="hold" nodeType="withEffect">
+                                  <p:stCondLst>
+                                    <p:cond delay="0"/>
+                                  </p:stCondLst>
+                                  <p:childTnLst>
+                                    <p:set>
+                                      <p:cBhvr>
+                                        <p:cTn id="9" dur="1" fill="hold">
+                                          <p:stCondLst>
+                                            <p:cond delay="0"/>
+                                          </p:stCondLst>
+                                        </p:cTn>
+                                        <p:tgtEl>
+                                          <p:spTgt spid="3">
+                                            <p:txEl>
+                                              <p:pRg st="1" end="1"/>
+                                            </p:txEl>
+                                          </p:spTgt>
+                                        </p:tgtEl>
+                                        <p:attrNameLst>
+                                          <p:attrName>style.visibility</p:attrName>
+                                        </p:attrNameLst>
+                                      </p:cBhvr>
+                                      <p:to>
+                                        <p:strVal val="visible"/>
+                                      </p:to>
+                                    </p:set>
+                                    <p:animEffect transition="in" filter="wipe(down)">
+                                      <p:cBhvr>
+                                        <p:cTn id="10" dur="500"/>
+                                        <p:tgtEl>
+                                          <p:spTgt spid="3">
+                                            <p:txEl>
+                                              <p:pRg st="1" end="1"/>
+                                            </p:txEl>
+                                          </p:spTgt>
+                                        </p:tgtEl>
+                                      </p:cBhvr>
+                                    </p:animEffect>
+                                  </p:childTnLst>
+                                </p:cTn>
+                              </p:par>
+                              <p:par>
+                                <p:cTn id="11" presetID="22" presetClass="entr" presetSubtype="4" fill="hold" nodeType="withEffect">
+                                  <p:stCondLst>
+                                    <p:cond delay="0"/>
+                                  </p:stCondLst>
+                                  <p:childTnLst>
+                                    <p:set>
+                                      <p:cBhvr>
+                                        <p:cTn id="12" dur="1" fill="hold">
+                                          <p:stCondLst>
+                                            <p:cond delay="0"/>
+                                          </p:stCondLst>
+                                        </p:cTn>
+                                        <p:tgtEl>
+                                          <p:spTgt spid="3">
+                                            <p:txEl>
+                                              <p:pRg st="2" end="2"/>
+                                            </p:txEl>
+                                          </p:spTgt>
+                                        </p:tgtEl>
+                                        <p:attrNameLst>
+                                          <p:attrName>style.visibility</p:attrName>
+                                        </p:attrNameLst>
+                                      </p:cBhvr>
+                                      <p:to>
+                                        <p:strVal val="visible"/>
+                                      </p:to>
+                                    </p:set>
+                                    <p:animEffect transition="in" filter="wipe(down)">
+                                      <p:cBhvr>
+                                        <p:cTn id="13" dur="500"/>
+                                        <p:tgtEl>
+                                          <p:spTgt spid="3">
+                                            <p:txEl>
+                                              <p:pRg st="2" end="2"/>
+                                            </p:txEl>
+                                          </p:spTgt>
+                                        </p:tgtEl>
+                                      </p:cBhvr>
+                                    </p:animEffect>
+                                  </p:childTnLst>
+                                </p:cTn>
+                              </p:par>
+                              <p:par>
+                                <p:cTn id="14" presetID="22" presetClass="entr" presetSubtype="4" fill="hold" nodeType="withEffect">
+                                  <p:stCondLst>
+                                    <p:cond delay="0"/>
+                                  </p:stCondLst>
+                                  <p:childTnLst>
+                                    <p:set>
+                                      <p:cBhvr>
+                                        <p:cTn id="15" dur="1" fill="hold">
+                                          <p:stCondLst>
+                                            <p:cond delay="0"/>
+                                          </p:stCondLst>
+                                        </p:cTn>
+                                        <p:tgtEl>
+                                          <p:spTgt spid="3">
+                                            <p:txEl>
+                                              <p:pRg st="3" end="3"/>
+                                            </p:txEl>
+                                          </p:spTgt>
+                                        </p:tgtEl>
+                                        <p:attrNameLst>
+                                          <p:attrName>style.visibility</p:attrName>
+                                        </p:attrNameLst>
+                                      </p:cBhvr>
+                                      <p:to>
+                                        <p:strVal val="visible"/>
+                                      </p:to>
+                                    </p:set>
+                                    <p:animEffect transition="in" filter="wipe(down)">
+                                      <p:cBhvr>
+                                        <p:cTn id="16" dur="500"/>
+                                        <p:tgtEl>
+                                          <p:spTgt spid="3">
+                                            <p:txEl>
+                                              <p:pRg st="3" end="3"/>
+                                            </p:txEl>
+                                          </p:spTgt>
+                                        </p:tgtEl>
+                                      </p:cBhvr>
+                                    </p:animEffect>
+                                  </p:childTnLst>
+                                </p:cTn>
+                              </p:par>
+                            </p:childTnLst>
+                          </p:cTn>
+                        </p:par>
+                      </p:childTnLst>
+                    </p:cTn>
+                  </p:par>
+                  <p:par>
+                    <p:cTn id="17" fill="hold">
+                      <p:stCondLst>
+                        <p:cond delay="indefinite"/>
+                      </p:stCondLst>
+                      <p:childTnLst>
+                        <p:par>
+                          <p:cTn id="18" fill="hold">
+                            <p:stCondLst>
+                              <p:cond delay="0"/>
+                            </p:stCondLst>
+                            <p:childTnLst>
+                              <p:par>
+                                <p:cTn id="19" presetID="22" presetClass="entr" presetSubtype="4" fill="hold" nodeType="clickEffect">
+                                  <p:stCondLst>
+                                    <p:cond delay="0"/>
+                                  </p:stCondLst>
+                                  <p:childTnLst>
+                                    <p:set>
+                                      <p:cBhvr>
+                                        <p:cTn id="20" dur="1" fill="hold">
+                                          <p:stCondLst>
+                                            <p:cond delay="0"/>
+                                          </p:stCondLst>
+                                        </p:cTn>
+                                        <p:tgtEl>
+                                          <p:spTgt spid="3">
+                                            <p:txEl>
+                                              <p:pRg st="5" end="5"/>
+                                            </p:txEl>
+                                          </p:spTgt>
+                                        </p:tgtEl>
+                                        <p:attrNameLst>
+                                          <p:attrName>style.visibility</p:attrName>
+                                        </p:attrNameLst>
+                                      </p:cBhvr>
+                                      <p:to>
+                                        <p:strVal val="visible"/>
+                                      </p:to>
+                                    </p:set>
+                                    <p:animEffect transition="in" filter="wipe(down)">
+                                      <p:cBhvr>
+                                        <p:cTn id="21" dur="500"/>
+                                        <p:tgtEl>
+                                          <p:spTgt spid="3">
+                                            <p:txEl>
+                                              <p:pRg st="5" end="5"/>
+                                            </p:txEl>
+                                          </p:spTgt>
+                                        </p:tgtEl>
+                                      </p:cBhvr>
+                                    </p:animEffect>
+                                  </p:childTnLst>
+                                </p:cTn>
+                              </p:par>
+                              <p:par>
+                                <p:cTn id="22" presetID="22" presetClass="entr" presetSubtype="4" fill="hold" nodeType="withEffect">
+                                  <p:stCondLst>
+                                    <p:cond delay="0"/>
+                                  </p:stCondLst>
+                                  <p:childTnLst>
+                                    <p:set>
+                                      <p:cBhvr>
+                                        <p:cTn id="23" dur="1" fill="hold">
+                                          <p:stCondLst>
+                                            <p:cond delay="0"/>
+                                          </p:stCondLst>
+                                        </p:cTn>
+                                        <p:tgtEl>
+                                          <p:spTgt spid="3">
+                                            <p:txEl>
+                                              <p:pRg st="6" end="6"/>
+                                            </p:txEl>
+                                          </p:spTgt>
+                                        </p:tgtEl>
+                                        <p:attrNameLst>
+                                          <p:attrName>style.visibility</p:attrName>
+                                        </p:attrNameLst>
+                                      </p:cBhvr>
+                                      <p:to>
+                                        <p:strVal val="visible"/>
+                                      </p:to>
+                                    </p:set>
+                                    <p:animEffect transition="in" filter="wipe(down)">
+                                      <p:cBhvr>
+                                        <p:cTn id="24" dur="500"/>
+                                        <p:tgtEl>
+                                          <p:spTgt spid="3">
+                                            <p:txEl>
+                                              <p:pRg st="6" end="6"/>
+                                            </p:txEl>
+                                          </p:spTgt>
+                                        </p:tgtEl>
+                                      </p:cBhvr>
+                                    </p:animEffect>
+                                  </p:childTnLst>
+                                </p:cTn>
+                              </p:par>
+                            </p:childTnLst>
+                          </p:cTn>
+                        </p:par>
+                      </p:childTnLst>
+                    </p:cTn>
+                  </p:par>
+                  <p:par>
+                    <p:cTn id="25" fill="hold">
+                      <p:stCondLst>
+                        <p:cond delay="indefinite"/>
+                      </p:stCondLst>
+                      <p:childTnLst>
+                        <p:par>
+                          <p:cTn id="26" fill="hold">
+                            <p:stCondLst>
+                              <p:cond delay="0"/>
+                            </p:stCondLst>
+                            <p:childTnLst>
+                              <p:par>
+                                <p:cTn id="27" presetID="22" presetClass="entr" presetSubtype="4" fill="hold" nodeType="clickEffect">
+                                  <p:stCondLst>
+                                    <p:cond delay="0"/>
+                                  </p:stCondLst>
+                                  <p:childTnLst>
+                                    <p:set>
+                                      <p:cBhvr>
+                                        <p:cTn id="28" dur="1" fill="hold">
+                                          <p:stCondLst>
+                                            <p:cond delay="0"/>
+                                          </p:stCondLst>
+                                        </p:cTn>
+                                        <p:tgtEl>
+                                          <p:spTgt spid="3">
+                                            <p:txEl>
+                                              <p:pRg st="8" end="8"/>
+                                            </p:txEl>
+                                          </p:spTgt>
+                                        </p:tgtEl>
+                                        <p:attrNameLst>
+                                          <p:attrName>style.visibility</p:attrName>
+                                        </p:attrNameLst>
+                                      </p:cBhvr>
+                                      <p:to>
+                                        <p:strVal val="visible"/>
+                                      </p:to>
+                                    </p:set>
+                                    <p:animEffect transition="in" filter="wipe(down)">
+                                      <p:cBhvr>
+                                        <p:cTn id="29" dur="500"/>
+                                        <p:tgtEl>
+                                          <p:spTgt spid="3">
+                                            <p:txEl>
+                                              <p:pRg st="8" end="8"/>
+                                            </p:txEl>
+                                          </p:spTgt>
+                                        </p:tgtEl>
+                                      </p:cBhvr>
+                                    </p:animEffect>
+                                  </p:childTnLst>
+                                </p:cTn>
+                              </p:par>
+                              <p:par>
+                                <p:cTn id="30" presetID="22" presetClass="entr" presetSubtype="4" fill="hold" nodeType="withEffect">
+                                  <p:stCondLst>
+                                    <p:cond delay="0"/>
+                                  </p:stCondLst>
+                                  <p:childTnLst>
+                                    <p:set>
+                                      <p:cBhvr>
+                                        <p:cTn id="31" dur="1" fill="hold">
+                                          <p:stCondLst>
+                                            <p:cond delay="0"/>
+                                          </p:stCondLst>
+                                        </p:cTn>
+                                        <p:tgtEl>
+                                          <p:spTgt spid="3">
+                                            <p:txEl>
+                                              <p:pRg st="9" end="9"/>
+                                            </p:txEl>
+                                          </p:spTgt>
+                                        </p:tgtEl>
+                                        <p:attrNameLst>
+                                          <p:attrName>style.visibility</p:attrName>
+                                        </p:attrNameLst>
+                                      </p:cBhvr>
+                                      <p:to>
+                                        <p:strVal val="visible"/>
+                                      </p:to>
+                                    </p:set>
+                                    <p:animEffect transition="in" filter="wipe(down)">
+                                      <p:cBhvr>
+                                        <p:cTn id="32" dur="500"/>
+                                        <p:tgtEl>
+                                          <p:spTgt spid="3">
+                                            <p:txEl>
+                                              <p:pRg st="9" end="9"/>
+                                            </p:txEl>
+                                          </p:spTgt>
+                                        </p:tgtEl>
+                                      </p:cBhvr>
+                                    </p:animEffect>
+                                  </p:childTnLst>
+                                </p:cTn>
+                              </p:par>
+                            </p:childTnLst>
+                          </p:cTn>
+                        </p:par>
+                      </p:childTnLst>
+                    </p:cTn>
+                  </p:par>
+                </p:childTnLst>
+              </p:cTn>
+              <p:prevCondLst>
+                <p:cond evt="onPrev" delay="0">
+                  <p:tgtEl>
+                    <p:sldTgt/>
+                  </p:tgtEl>
+                </p:cond>
+              </p:prevCondLst>
+              <p:nextCondLst>
+                <p:cond evt="onNext" delay="0">
+                  <p:tgtEl>
+                    <p:sldTgt/>
+                  </p:tgtEl>
+                </p:cond>
+              </p:nextCondLst>
+            </p:seq>
+          </p:childTnLst>
+        </p:cTn>
+      </p:par>
+    </p:tnLst>
+  </p:timing>
 </p:sld>
 </file>
 
-<file path=ppt/slides/slide20.xml><?xml version="1.0" encoding="utf-8"?>
+<file path=ppt/slides/slide22.xml><?xml version="1.0" encoding="utf-8"?>
 <p:sld xmlns:a="http://schemas.openxmlformats.org/drawingml/2006/main" xmlns:r="http://schemas.openxmlformats.org/officeDocument/2006/relationships" xmlns:p="http://schemas.openxmlformats.org/presentationml/2006/main">
   <p:cSld>
     <p:spTree>
@@ -4855,7 +6200,7 @@
           <a:p>
             <a:r>
               <a:rPr lang="en-US" dirty="0" smtClean="0"/>
-              <a:t>Basic strumming</a:t>
+              <a:t>Exercise</a:t>
             </a:r>
             <a:endParaRPr lang="en-US" dirty="0"/>
           </a:p>
@@ -4878,69 +6223,46 @@
           </a:bodyPr>
           <a:lstStyle/>
           <a:p>
-            <a:endParaRPr lang="en-US" sz="2400" dirty="0" smtClean="0"/>
-          </a:p>
-          <a:p>
-            <a:endParaRPr lang="en-US" sz="2400" dirty="0"/>
-          </a:p>
-          <a:p>
-            <a:r>
-              <a:rPr lang="en-US" sz="2400" dirty="0" smtClean="0"/>
-              <a:t>4/4 beat </a:t>
-            </a:r>
-            <a:r>
-              <a:rPr lang="mr-IN" sz="2400" dirty="0" smtClean="0"/>
-              <a:t>–</a:t>
-            </a:r>
-            <a:r>
-              <a:rPr lang="en-US" sz="2400" dirty="0" smtClean="0"/>
-              <a:t> most basic beat in music</a:t>
-            </a:r>
-          </a:p>
-          <a:p>
-            <a:pPr lvl="1"/>
-            <a:r>
-              <a:rPr lang="en-US" sz="2400" dirty="0" smtClean="0"/>
-              <a:t>4 counts down strumming</a:t>
-            </a:r>
-          </a:p>
-          <a:p>
-            <a:pPr marL="457200" lvl="1" indent="0">
-              <a:buNone/>
-            </a:pPr>
-            <a:endParaRPr lang="en-US" sz="2400" dirty="0" smtClean="0"/>
-          </a:p>
-          <a:p>
-            <a:pPr lvl="1"/>
-            <a:r>
-              <a:rPr lang="en-US" sz="2400" dirty="0" smtClean="0"/>
-              <a:t>Best accompanied with foot tapping</a:t>
-            </a:r>
-          </a:p>
-          <a:p>
-            <a:pPr lvl="2"/>
-            <a:r>
-              <a:rPr lang="en-US" sz="2400" dirty="0" smtClean="0"/>
-              <a:t>To get locked-in with the </a:t>
-            </a:r>
-            <a:r>
-              <a:rPr lang="en-US" sz="2400" dirty="0" smtClean="0"/>
-              <a:t>rhythm</a:t>
-            </a:r>
-            <a:endParaRPr lang="en-US" sz="2400" dirty="0"/>
+            <a:r>
+              <a:rPr lang="en-US" sz="2800" dirty="0" smtClean="0"/>
+              <a:t>Play your first chords</a:t>
+            </a:r>
+          </a:p>
+          <a:p>
+            <a:endParaRPr lang="en-US" sz="2800" dirty="0"/>
+          </a:p>
+          <a:p>
+            <a:endParaRPr lang="en-US" sz="2800" dirty="0" smtClean="0"/>
+          </a:p>
+          <a:p>
+            <a:endParaRPr lang="en-US" sz="2800" dirty="0" smtClean="0"/>
+          </a:p>
+          <a:p>
+            <a:r>
+              <a:rPr lang="en-US" sz="2800" dirty="0" smtClean="0"/>
+              <a:t>Play your first song</a:t>
+            </a:r>
+            <a:endParaRPr lang="en-US" sz="2800" dirty="0"/>
           </a:p>
         </p:txBody>
       </p:sp>
     </p:spTree>
     <p:extLst>
       <p:ext uri="{BB962C8B-B14F-4D97-AF65-F5344CB8AC3E}">
-        <p14:creationId xmlns:p14="http://schemas.microsoft.com/office/powerpoint/2010/main" val="1733503009"/>
+        <p14:creationId xmlns:p14="http://schemas.microsoft.com/office/powerpoint/2010/main" val="1960071162"/>
       </p:ext>
     </p:extLst>
   </p:cSld>
   <p:clrMapOvr>
     <a:masterClrMapping/>
   </p:clrMapOvr>
+  <p:timing>
+    <p:tnLst>
+      <p:par>
+        <p:cTn xmlns:p14="http://schemas.microsoft.com/office/powerpoint/2010/main" id="1" dur="indefinite" restart="never" nodeType="tmRoot"/>
+      </p:par>
+    </p:tnLst>
+  </p:timing>
 </p:sld>
 </file>
 
@@ -4977,9 +6299,10 @@
           <a:lstStyle/>
           <a:p>
             <a:r>
-              <a:rPr lang="en-US" dirty="0"/>
-              <a:t>INTRODUCTION</a:t>
-            </a:r>
+              <a:rPr lang="en-US" dirty="0" smtClean="0"/>
+              <a:t>How to spot a beginner</a:t>
+            </a:r>
+            <a:endParaRPr lang="en-US" dirty="0"/>
           </a:p>
         </p:txBody>
       </p:sp>
@@ -4995,77 +6318,120 @@
         </p:nvSpPr>
         <p:spPr/>
         <p:txBody>
-          <a:bodyPr/>
+          <a:bodyPr>
+            <a:normAutofit/>
+          </a:bodyPr>
           <a:lstStyle/>
           <a:p>
             <a:r>
+              <a:rPr lang="en-US" dirty="0"/>
+              <a:t>Know the basic parts of the guitar </a:t>
+            </a:r>
+            <a:endParaRPr lang="en-US" dirty="0" smtClean="0"/>
+          </a:p>
+          <a:p>
+            <a:r>
               <a:rPr lang="en-US" dirty="0" smtClean="0"/>
-              <a:t>BEGINNER PLAYERS</a:t>
-            </a:r>
-          </a:p>
-          <a:p>
-            <a:pPr lvl="1"/>
+              <a:t>Identify </a:t>
+            </a:r>
+            <a:r>
+              <a:rPr lang="en-US" dirty="0"/>
+              <a:t>string numbers, finger numbers and fret numbers </a:t>
+            </a:r>
+            <a:endParaRPr lang="en-US" dirty="0" smtClean="0"/>
+          </a:p>
+          <a:p>
             <a:r>
               <a:rPr lang="en-US" dirty="0" smtClean="0"/>
-              <a:t>Knows only a few chords </a:t>
-            </a:r>
-            <a:r>
-              <a:rPr lang="mr-IN" dirty="0" smtClean="0"/>
-              <a:t>–</a:t>
+              <a:t>Know </a:t>
+            </a:r>
+            <a:r>
+              <a:rPr lang="en-US" dirty="0"/>
+              <a:t>the musical </a:t>
             </a:r>
             <a:r>
               <a:rPr lang="en-US" dirty="0" smtClean="0"/>
-              <a:t> or does not know any at all</a:t>
-            </a:r>
-          </a:p>
-          <a:p>
-            <a:pPr lvl="1"/>
+              <a:t>alphabet</a:t>
+            </a:r>
+          </a:p>
+          <a:p>
             <a:r>
               <a:rPr lang="en-US" dirty="0" smtClean="0"/>
-              <a:t>Can not play a song</a:t>
-            </a:r>
-          </a:p>
-          <a:p>
-            <a:pPr marL="0" indent="0">
-              <a:buNone/>
-            </a:pPr>
+              <a:t>Understand </a:t>
+            </a:r>
+            <a:r>
+              <a:rPr lang="en-US" dirty="0"/>
+              <a:t>how to read and draw a chord diagram </a:t>
+            </a:r>
             <a:endParaRPr lang="en-US" dirty="0" smtClean="0"/>
           </a:p>
           <a:p>
+            <a:r>
+              <a:rPr lang="en-US" dirty="0" smtClean="0"/>
+              <a:t>Understand </a:t>
+            </a:r>
+            <a:r>
+              <a:rPr lang="en-US" dirty="0"/>
+              <a:t>the difference in sound between the three basic chord types – major, minor and dominant 7 </a:t>
+            </a:r>
             <a:endParaRPr lang="en-US" dirty="0" smtClean="0"/>
           </a:p>
           <a:p>
             <a:r>
               <a:rPr lang="en-US" dirty="0" smtClean="0"/>
-              <a:t>INTERMEDIATE PLAYERS</a:t>
-            </a:r>
-          </a:p>
-          <a:p>
-            <a:pPr lvl="1"/>
+              <a:t>Explain </a:t>
+            </a:r>
+            <a:r>
+              <a:rPr lang="en-US" dirty="0"/>
+              <a:t>the term “root note</a:t>
+            </a:r>
             <a:r>
               <a:rPr lang="en-US" dirty="0" smtClean="0"/>
-              <a:t>Knows most of the chords and chord progressions</a:t>
-            </a:r>
-          </a:p>
-          <a:p>
-            <a:pPr lvl="1"/>
+              <a:t>”</a:t>
+            </a:r>
+          </a:p>
+          <a:p>
             <a:r>
               <a:rPr lang="en-US" dirty="0" smtClean="0"/>
-              <a:t>Knows a number of strumming combinations</a:t>
-            </a:r>
-          </a:p>
-          <a:p>
-            <a:pPr lvl="1"/>
+              <a:t>Understand </a:t>
+            </a:r>
+            <a:r>
+              <a:rPr lang="en-US" dirty="0"/>
+              <a:t>and explain basic time signatures, such as 4/4 and 3/4 </a:t>
+            </a:r>
+            <a:endParaRPr lang="en-US" dirty="0" smtClean="0"/>
+          </a:p>
+          <a:p>
             <a:r>
               <a:rPr lang="en-US" dirty="0" smtClean="0"/>
-              <a:t>Knows at least 1 scale</a:t>
-            </a:r>
-          </a:p>
-          <a:p>
-            <a:pPr lvl="1"/>
+              <a:t>Understand </a:t>
+            </a:r>
+            <a:r>
+              <a:rPr lang="en-US" dirty="0"/>
+              <a:t>and execute basic rhythms, such as whole, half, quarter and 8th notes </a:t>
+            </a:r>
+            <a:endParaRPr lang="en-US" dirty="0" smtClean="0"/>
+          </a:p>
+          <a:p>
             <a:r>
               <a:rPr lang="en-US" dirty="0" smtClean="0"/>
-              <a:t>Can transcribe a song</a:t>
+              <a:t>Demonstrate </a:t>
+            </a:r>
+            <a:r>
+              <a:rPr lang="en-US" dirty="0"/>
+              <a:t>the ability to correctly form basic open position chords and efficiently change between them: A, Am, A7, C, D, D7, E, </a:t>
+            </a:r>
+            <a:r>
+              <a:rPr lang="en-US" dirty="0" err="1"/>
+              <a:t>Em</a:t>
+            </a:r>
+            <a:r>
+              <a:rPr lang="en-US" dirty="0"/>
+              <a:t>, E7, </a:t>
+            </a:r>
+            <a:r>
+              <a:rPr lang="en-US" dirty="0" smtClean="0"/>
+              <a:t>G</a:t>
             </a:r>
           </a:p>
         </p:txBody>
@@ -5073,13 +6439,20 @@
     </p:spTree>
     <p:extLst>
       <p:ext uri="{BB962C8B-B14F-4D97-AF65-F5344CB8AC3E}">
-        <p14:creationId xmlns:p14="http://schemas.microsoft.com/office/powerpoint/2010/main" val="2238388333"/>
+        <p14:creationId xmlns:p14="http://schemas.microsoft.com/office/powerpoint/2010/main" val="4123052224"/>
       </p:ext>
     </p:extLst>
   </p:cSld>
   <p:clrMapOvr>
     <a:masterClrMapping/>
   </p:clrMapOvr>
+  <p:timing>
+    <p:tnLst>
+      <p:par>
+        <p:cTn xmlns:p14="http://schemas.microsoft.com/office/powerpoint/2010/main" id="1" dur="indefinite" restart="never" nodeType="tmRoot"/>
+      </p:par>
+    </p:tnLst>
+  </p:timing>
 </p:sld>
 </file>
 
@@ -5513,12 +6886,12 @@
                     <a:p>
                       <a:pPr algn="ctr" fontAlgn="b"/>
                       <a:r>
-                        <a:rPr lang="en-US" sz="1600" u="none" strike="noStrike">
+                        <a:rPr lang="en-US" sz="1600" u="none" strike="noStrike" dirty="0">
                           <a:effectLst/>
                         </a:rPr>
                         <a:t>Francis</a:t>
                       </a:r>
-                      <a:endParaRPr lang="en-US" sz="1600" b="0" i="0" u="none" strike="noStrike">
+                      <a:endParaRPr lang="en-US" sz="1600" b="0" i="0" u="none" strike="noStrike" dirty="0">
                         <a:solidFill>
                           <a:schemeClr val="tx1"/>
                         </a:solidFill>
@@ -5647,12 +7020,12 @@
                     <a:p>
                       <a:pPr algn="ctr" fontAlgn="b"/>
                       <a:r>
-                        <a:rPr lang="en-US" sz="1600" u="none" strike="noStrike">
+                        <a:rPr lang="en-US" sz="1600" u="none" strike="noStrike" dirty="0">
                           <a:effectLst/>
                         </a:rPr>
                         <a:t>Mark</a:t>
                       </a:r>
-                      <a:endParaRPr lang="en-US" sz="1600" b="0" i="0" u="none" strike="noStrike">
+                      <a:endParaRPr lang="en-US" sz="1600" b="0" i="0" u="none" strike="noStrike" dirty="0">
                         <a:solidFill>
                           <a:schemeClr val="tx1"/>
                         </a:solidFill>
@@ -5701,6 +7074,13 @@
   <p:clrMapOvr>
     <a:masterClrMapping/>
   </p:clrMapOvr>
+  <p:timing>
+    <p:tnLst>
+      <p:par>
+        <p:cTn xmlns:p14="http://schemas.microsoft.com/office/powerpoint/2010/main" id="1" dur="indefinite" restart="never" nodeType="tmRoot"/>
+      </p:par>
+    </p:tnLst>
+  </p:timing>
 </p:sld>
 </file>
 
@@ -5845,6 +7225,13 @@
       <p:transition xmlns:p14="http://schemas.microsoft.com/office/powerpoint/2010/main" spd="slow"/>
     </mc:Fallback>
   </mc:AlternateContent>
+  <p:timing>
+    <p:tnLst>
+      <p:par>
+        <p:cTn xmlns:p14="http://schemas.microsoft.com/office/powerpoint/2010/main" id="1" dur="indefinite" restart="never" nodeType="tmRoot"/>
+      </p:par>
+    </p:tnLst>
+  </p:timing>
 </p:sld>
 </file>
 
@@ -5898,6 +7285,13 @@
   <p:clrMapOvr>
     <a:masterClrMapping/>
   </p:clrMapOvr>
+  <p:timing>
+    <p:tnLst>
+      <p:par>
+        <p:cTn xmlns:p14="http://schemas.microsoft.com/office/powerpoint/2010/main" id="1" dur="indefinite" restart="never" nodeType="tmRoot"/>
+      </p:par>
+    </p:tnLst>
+  </p:timing>
 </p:sld>
 </file>
 
@@ -5941,8 +7335,13 @@
           <a:p>
             <a:r>
               <a:rPr lang="en-US" dirty="0"/>
-              <a:t>Letter notation</a:t>
-            </a:r>
+              <a:t>Letter </a:t>
+            </a:r>
+            <a:r>
+              <a:rPr lang="en-US" dirty="0" smtClean="0"/>
+              <a:t>notation</a:t>
+            </a:r>
+            <a:endParaRPr lang="en-US" dirty="0"/>
           </a:p>
         </p:txBody>
       </p:sp>
@@ -6176,6 +7575,341 @@
   <p:clrMapOvr>
     <a:masterClrMapping/>
   </p:clrMapOvr>
+  <p:timing>
+    <p:tnLst>
+      <p:par>
+        <p:cTn xmlns:p14="http://schemas.microsoft.com/office/powerpoint/2010/main" id="1" dur="indefinite" restart="never" nodeType="tmRoot">
+          <p:childTnLst>
+            <p:seq concurrent="1" nextAc="seek">
+              <p:cTn id="2" dur="indefinite" nodeType="mainSeq">
+                <p:childTnLst>
+                  <p:par>
+                    <p:cTn id="3" fill="hold">
+                      <p:stCondLst>
+                        <p:cond delay="indefinite"/>
+                      </p:stCondLst>
+                      <p:childTnLst>
+                        <p:par>
+                          <p:cTn id="4" fill="hold">
+                            <p:stCondLst>
+                              <p:cond delay="0"/>
+                            </p:stCondLst>
+                            <p:childTnLst>
+                              <p:par>
+                                <p:cTn id="5" presetID="22" presetClass="entr" presetSubtype="4" fill="hold" nodeType="clickEffect">
+                                  <p:stCondLst>
+                                    <p:cond delay="0"/>
+                                  </p:stCondLst>
+                                  <p:childTnLst>
+                                    <p:set>
+                                      <p:cBhvr>
+                                        <p:cTn id="6" dur="1" fill="hold">
+                                          <p:stCondLst>
+                                            <p:cond delay="0"/>
+                                          </p:stCondLst>
+                                        </p:cTn>
+                                        <p:tgtEl>
+                                          <p:spTgt spid="3">
+                                            <p:txEl>
+                                              <p:pRg st="1" end="1"/>
+                                            </p:txEl>
+                                          </p:spTgt>
+                                        </p:tgtEl>
+                                        <p:attrNameLst>
+                                          <p:attrName>style.visibility</p:attrName>
+                                        </p:attrNameLst>
+                                      </p:cBhvr>
+                                      <p:to>
+                                        <p:strVal val="visible"/>
+                                      </p:to>
+                                    </p:set>
+                                    <p:animEffect transition="in" filter="wipe(down)">
+                                      <p:cBhvr>
+                                        <p:cTn id="7" dur="500"/>
+                                        <p:tgtEl>
+                                          <p:spTgt spid="3">
+                                            <p:txEl>
+                                              <p:pRg st="1" end="1"/>
+                                            </p:txEl>
+                                          </p:spTgt>
+                                        </p:tgtEl>
+                                      </p:cBhvr>
+                                    </p:animEffect>
+                                  </p:childTnLst>
+                                </p:cTn>
+                              </p:par>
+                            </p:childTnLst>
+                          </p:cTn>
+                        </p:par>
+                      </p:childTnLst>
+                    </p:cTn>
+                  </p:par>
+                  <p:par>
+                    <p:cTn id="8" fill="hold">
+                      <p:stCondLst>
+                        <p:cond delay="indefinite"/>
+                      </p:stCondLst>
+                      <p:childTnLst>
+                        <p:par>
+                          <p:cTn id="9" fill="hold">
+                            <p:stCondLst>
+                              <p:cond delay="0"/>
+                            </p:stCondLst>
+                            <p:childTnLst>
+                              <p:par>
+                                <p:cTn id="10" presetID="22" presetClass="entr" presetSubtype="4" fill="hold" nodeType="clickEffect">
+                                  <p:stCondLst>
+                                    <p:cond delay="0"/>
+                                  </p:stCondLst>
+                                  <p:childTnLst>
+                                    <p:set>
+                                      <p:cBhvr>
+                                        <p:cTn id="11" dur="1" fill="hold">
+                                          <p:stCondLst>
+                                            <p:cond delay="0"/>
+                                          </p:stCondLst>
+                                        </p:cTn>
+                                        <p:tgtEl>
+                                          <p:spTgt spid="3">
+                                            <p:txEl>
+                                              <p:pRg st="2" end="2"/>
+                                            </p:txEl>
+                                          </p:spTgt>
+                                        </p:tgtEl>
+                                        <p:attrNameLst>
+                                          <p:attrName>style.visibility</p:attrName>
+                                        </p:attrNameLst>
+                                      </p:cBhvr>
+                                      <p:to>
+                                        <p:strVal val="visible"/>
+                                      </p:to>
+                                    </p:set>
+                                    <p:animEffect transition="in" filter="wipe(down)">
+                                      <p:cBhvr>
+                                        <p:cTn id="12" dur="500"/>
+                                        <p:tgtEl>
+                                          <p:spTgt spid="3">
+                                            <p:txEl>
+                                              <p:pRg st="2" end="2"/>
+                                            </p:txEl>
+                                          </p:spTgt>
+                                        </p:tgtEl>
+                                      </p:cBhvr>
+                                    </p:animEffect>
+                                  </p:childTnLst>
+                                </p:cTn>
+                              </p:par>
+                            </p:childTnLst>
+                          </p:cTn>
+                        </p:par>
+                      </p:childTnLst>
+                    </p:cTn>
+                  </p:par>
+                  <p:par>
+                    <p:cTn id="13" fill="hold">
+                      <p:stCondLst>
+                        <p:cond delay="indefinite"/>
+                      </p:stCondLst>
+                      <p:childTnLst>
+                        <p:par>
+                          <p:cTn id="14" fill="hold">
+                            <p:stCondLst>
+                              <p:cond delay="0"/>
+                            </p:stCondLst>
+                            <p:childTnLst>
+                              <p:par>
+                                <p:cTn id="15" presetID="22" presetClass="entr" presetSubtype="4" fill="hold" nodeType="clickEffect">
+                                  <p:stCondLst>
+                                    <p:cond delay="0"/>
+                                  </p:stCondLst>
+                                  <p:childTnLst>
+                                    <p:set>
+                                      <p:cBhvr>
+                                        <p:cTn id="16" dur="1" fill="hold">
+                                          <p:stCondLst>
+                                            <p:cond delay="0"/>
+                                          </p:stCondLst>
+                                        </p:cTn>
+                                        <p:tgtEl>
+                                          <p:spTgt spid="3">
+                                            <p:txEl>
+                                              <p:pRg st="3" end="3"/>
+                                            </p:txEl>
+                                          </p:spTgt>
+                                        </p:tgtEl>
+                                        <p:attrNameLst>
+                                          <p:attrName>style.visibility</p:attrName>
+                                        </p:attrNameLst>
+                                      </p:cBhvr>
+                                      <p:to>
+                                        <p:strVal val="visible"/>
+                                      </p:to>
+                                    </p:set>
+                                    <p:animEffect transition="in" filter="wipe(down)">
+                                      <p:cBhvr>
+                                        <p:cTn id="17" dur="500"/>
+                                        <p:tgtEl>
+                                          <p:spTgt spid="3">
+                                            <p:txEl>
+                                              <p:pRg st="3" end="3"/>
+                                            </p:txEl>
+                                          </p:spTgt>
+                                        </p:tgtEl>
+                                      </p:cBhvr>
+                                    </p:animEffect>
+                                  </p:childTnLst>
+                                </p:cTn>
+                              </p:par>
+                            </p:childTnLst>
+                          </p:cTn>
+                        </p:par>
+                      </p:childTnLst>
+                    </p:cTn>
+                  </p:par>
+                  <p:par>
+                    <p:cTn id="18" fill="hold">
+                      <p:stCondLst>
+                        <p:cond delay="indefinite"/>
+                      </p:stCondLst>
+                      <p:childTnLst>
+                        <p:par>
+                          <p:cTn id="19" fill="hold">
+                            <p:stCondLst>
+                              <p:cond delay="0"/>
+                            </p:stCondLst>
+                            <p:childTnLst>
+                              <p:par>
+                                <p:cTn id="20" presetID="22" presetClass="entr" presetSubtype="4" fill="hold" nodeType="clickEffect">
+                                  <p:stCondLst>
+                                    <p:cond delay="0"/>
+                                  </p:stCondLst>
+                                  <p:childTnLst>
+                                    <p:set>
+                                      <p:cBhvr>
+                                        <p:cTn id="21" dur="1" fill="hold">
+                                          <p:stCondLst>
+                                            <p:cond delay="0"/>
+                                          </p:stCondLst>
+                                        </p:cTn>
+                                        <p:tgtEl>
+                                          <p:spTgt spid="3">
+                                            <p:txEl>
+                                              <p:pRg st="4" end="4"/>
+                                            </p:txEl>
+                                          </p:spTgt>
+                                        </p:tgtEl>
+                                        <p:attrNameLst>
+                                          <p:attrName>style.visibility</p:attrName>
+                                        </p:attrNameLst>
+                                      </p:cBhvr>
+                                      <p:to>
+                                        <p:strVal val="visible"/>
+                                      </p:to>
+                                    </p:set>
+                                    <p:animEffect transition="in" filter="wipe(down)">
+                                      <p:cBhvr>
+                                        <p:cTn id="22" dur="500"/>
+                                        <p:tgtEl>
+                                          <p:spTgt spid="3">
+                                            <p:txEl>
+                                              <p:pRg st="4" end="4"/>
+                                            </p:txEl>
+                                          </p:spTgt>
+                                        </p:tgtEl>
+                                      </p:cBhvr>
+                                    </p:animEffect>
+                                  </p:childTnLst>
+                                </p:cTn>
+                              </p:par>
+                            </p:childTnLst>
+                          </p:cTn>
+                        </p:par>
+                      </p:childTnLst>
+                    </p:cTn>
+                  </p:par>
+                  <p:par>
+                    <p:cTn id="23" fill="hold">
+                      <p:stCondLst>
+                        <p:cond delay="indefinite"/>
+                      </p:stCondLst>
+                      <p:childTnLst>
+                        <p:par>
+                          <p:cTn id="24" fill="hold">
+                            <p:stCondLst>
+                              <p:cond delay="0"/>
+                            </p:stCondLst>
+                            <p:childTnLst>
+                              <p:par>
+                                <p:cTn id="25" presetID="22" presetClass="entr" presetSubtype="4" fill="hold" nodeType="clickEffect">
+                                  <p:stCondLst>
+                                    <p:cond delay="0"/>
+                                  </p:stCondLst>
+                                  <p:childTnLst>
+                                    <p:set>
+                                      <p:cBhvr>
+                                        <p:cTn id="26" dur="1" fill="hold">
+                                          <p:stCondLst>
+                                            <p:cond delay="0"/>
+                                          </p:stCondLst>
+                                        </p:cTn>
+                                        <p:tgtEl>
+                                          <p:spTgt spid="3">
+                                            <p:txEl>
+                                              <p:pRg st="8" end="8"/>
+                                            </p:txEl>
+                                          </p:spTgt>
+                                        </p:tgtEl>
+                                        <p:attrNameLst>
+                                          <p:attrName>style.visibility</p:attrName>
+                                        </p:attrNameLst>
+                                      </p:cBhvr>
+                                      <p:to>
+                                        <p:strVal val="visible"/>
+                                      </p:to>
+                                    </p:set>
+                                    <p:animEffect transition="in" filter="wipe(down)">
+                                      <p:cBhvr>
+                                        <p:cTn id="27" dur="500"/>
+                                        <p:tgtEl>
+                                          <p:spTgt spid="3">
+                                            <p:txEl>
+                                              <p:pRg st="8" end="8"/>
+                                            </p:txEl>
+                                          </p:spTgt>
+                                        </p:tgtEl>
+                                      </p:cBhvr>
+                                    </p:animEffect>
+                                  </p:childTnLst>
+                                </p:cTn>
+                              </p:par>
+                            </p:childTnLst>
+                          </p:cTn>
+                        </p:par>
+                      </p:childTnLst>
+                    </p:cTn>
+                  </p:par>
+                </p:childTnLst>
+              </p:cTn>
+              <p:prevCondLst>
+                <p:cond evt="onPrev" delay="0">
+                  <p:tgtEl>
+                    <p:sldTgt/>
+                  </p:tgtEl>
+                </p:cond>
+              </p:prevCondLst>
+              <p:nextCondLst>
+                <p:cond evt="onNext" delay="0">
+                  <p:tgtEl>
+                    <p:sldTgt/>
+                  </p:tgtEl>
+                </p:cond>
+              </p:nextCondLst>
+            </p:seq>
+          </p:childTnLst>
+        </p:cTn>
+      </p:par>
+    </p:tnLst>
+  </p:timing>
 </p:sld>
 </file>
 
@@ -6307,7 +8041,11 @@
             <a:pPr lvl="1"/>
             <a:r>
               <a:rPr lang="en-US" sz="2400" dirty="0" smtClean="0"/>
-              <a:t>Diatonic Scale (mostly used in western music)</a:t>
+              <a:t>Diatonic Scale (mostly used in western music</a:t>
+            </a:r>
+            <a:r>
+              <a:rPr lang="en-US" sz="2400" dirty="0" smtClean="0"/>
+              <a:t>)</a:t>
             </a:r>
             <a:endParaRPr lang="en-US" sz="2400" dirty="0"/>
           </a:p>
@@ -6394,6 +8132,341 @@
   <p:clrMapOvr>
     <a:masterClrMapping/>
   </p:clrMapOvr>
+  <p:timing>
+    <p:tnLst>
+      <p:par>
+        <p:cTn xmlns:p14="http://schemas.microsoft.com/office/powerpoint/2010/main" id="1" dur="indefinite" restart="never" nodeType="tmRoot">
+          <p:childTnLst>
+            <p:seq concurrent="1" nextAc="seek">
+              <p:cTn id="2" dur="indefinite" nodeType="mainSeq">
+                <p:childTnLst>
+                  <p:par>
+                    <p:cTn id="3" fill="hold">
+                      <p:stCondLst>
+                        <p:cond delay="indefinite"/>
+                      </p:stCondLst>
+                      <p:childTnLst>
+                        <p:par>
+                          <p:cTn id="4" fill="hold">
+                            <p:stCondLst>
+                              <p:cond delay="0"/>
+                            </p:stCondLst>
+                            <p:childTnLst>
+                              <p:par>
+                                <p:cTn id="5" presetID="22" presetClass="entr" presetSubtype="4" fill="hold" nodeType="clickEffect">
+                                  <p:stCondLst>
+                                    <p:cond delay="0"/>
+                                  </p:stCondLst>
+                                  <p:childTnLst>
+                                    <p:set>
+                                      <p:cBhvr>
+                                        <p:cTn id="6" dur="1" fill="hold">
+                                          <p:stCondLst>
+                                            <p:cond delay="0"/>
+                                          </p:stCondLst>
+                                        </p:cTn>
+                                        <p:tgtEl>
+                                          <p:spTgt spid="3">
+                                            <p:txEl>
+                                              <p:pRg st="0" end="0"/>
+                                            </p:txEl>
+                                          </p:spTgt>
+                                        </p:tgtEl>
+                                        <p:attrNameLst>
+                                          <p:attrName>style.visibility</p:attrName>
+                                        </p:attrNameLst>
+                                      </p:cBhvr>
+                                      <p:to>
+                                        <p:strVal val="visible"/>
+                                      </p:to>
+                                    </p:set>
+                                    <p:animEffect transition="in" filter="wipe(down)">
+                                      <p:cBhvr>
+                                        <p:cTn id="7" dur="500"/>
+                                        <p:tgtEl>
+                                          <p:spTgt spid="3">
+                                            <p:txEl>
+                                              <p:pRg st="0" end="0"/>
+                                            </p:txEl>
+                                          </p:spTgt>
+                                        </p:tgtEl>
+                                      </p:cBhvr>
+                                    </p:animEffect>
+                                  </p:childTnLst>
+                                </p:cTn>
+                              </p:par>
+                            </p:childTnLst>
+                          </p:cTn>
+                        </p:par>
+                      </p:childTnLst>
+                    </p:cTn>
+                  </p:par>
+                  <p:par>
+                    <p:cTn id="8" fill="hold">
+                      <p:stCondLst>
+                        <p:cond delay="indefinite"/>
+                      </p:stCondLst>
+                      <p:childTnLst>
+                        <p:par>
+                          <p:cTn id="9" fill="hold">
+                            <p:stCondLst>
+                              <p:cond delay="0"/>
+                            </p:stCondLst>
+                            <p:childTnLst>
+                              <p:par>
+                                <p:cTn id="10" presetID="22" presetClass="entr" presetSubtype="4" fill="hold" nodeType="clickEffect">
+                                  <p:stCondLst>
+                                    <p:cond delay="0"/>
+                                  </p:stCondLst>
+                                  <p:childTnLst>
+                                    <p:set>
+                                      <p:cBhvr>
+                                        <p:cTn id="11" dur="1" fill="hold">
+                                          <p:stCondLst>
+                                            <p:cond delay="0"/>
+                                          </p:stCondLst>
+                                        </p:cTn>
+                                        <p:tgtEl>
+                                          <p:spTgt spid="3">
+                                            <p:txEl>
+                                              <p:pRg st="2" end="2"/>
+                                            </p:txEl>
+                                          </p:spTgt>
+                                        </p:tgtEl>
+                                        <p:attrNameLst>
+                                          <p:attrName>style.visibility</p:attrName>
+                                        </p:attrNameLst>
+                                      </p:cBhvr>
+                                      <p:to>
+                                        <p:strVal val="visible"/>
+                                      </p:to>
+                                    </p:set>
+                                    <p:animEffect transition="in" filter="wipe(down)">
+                                      <p:cBhvr>
+                                        <p:cTn id="12" dur="500"/>
+                                        <p:tgtEl>
+                                          <p:spTgt spid="3">
+                                            <p:txEl>
+                                              <p:pRg st="2" end="2"/>
+                                            </p:txEl>
+                                          </p:spTgt>
+                                        </p:tgtEl>
+                                      </p:cBhvr>
+                                    </p:animEffect>
+                                  </p:childTnLst>
+                                </p:cTn>
+                              </p:par>
+                            </p:childTnLst>
+                          </p:cTn>
+                        </p:par>
+                      </p:childTnLst>
+                    </p:cTn>
+                  </p:par>
+                  <p:par>
+                    <p:cTn id="13" fill="hold">
+                      <p:stCondLst>
+                        <p:cond delay="indefinite"/>
+                      </p:stCondLst>
+                      <p:childTnLst>
+                        <p:par>
+                          <p:cTn id="14" fill="hold">
+                            <p:stCondLst>
+                              <p:cond delay="0"/>
+                            </p:stCondLst>
+                            <p:childTnLst>
+                              <p:par>
+                                <p:cTn id="15" presetID="22" presetClass="entr" presetSubtype="4" fill="hold" nodeType="clickEffect">
+                                  <p:stCondLst>
+                                    <p:cond delay="0"/>
+                                  </p:stCondLst>
+                                  <p:childTnLst>
+                                    <p:set>
+                                      <p:cBhvr>
+                                        <p:cTn id="16" dur="1" fill="hold">
+                                          <p:stCondLst>
+                                            <p:cond delay="0"/>
+                                          </p:stCondLst>
+                                        </p:cTn>
+                                        <p:tgtEl>
+                                          <p:spTgt spid="3">
+                                            <p:txEl>
+                                              <p:pRg st="3" end="3"/>
+                                            </p:txEl>
+                                          </p:spTgt>
+                                        </p:tgtEl>
+                                        <p:attrNameLst>
+                                          <p:attrName>style.visibility</p:attrName>
+                                        </p:attrNameLst>
+                                      </p:cBhvr>
+                                      <p:to>
+                                        <p:strVal val="visible"/>
+                                      </p:to>
+                                    </p:set>
+                                    <p:animEffect transition="in" filter="wipe(down)">
+                                      <p:cBhvr>
+                                        <p:cTn id="17" dur="500"/>
+                                        <p:tgtEl>
+                                          <p:spTgt spid="3">
+                                            <p:txEl>
+                                              <p:pRg st="3" end="3"/>
+                                            </p:txEl>
+                                          </p:spTgt>
+                                        </p:tgtEl>
+                                      </p:cBhvr>
+                                    </p:animEffect>
+                                  </p:childTnLst>
+                                </p:cTn>
+                              </p:par>
+                            </p:childTnLst>
+                          </p:cTn>
+                        </p:par>
+                      </p:childTnLst>
+                    </p:cTn>
+                  </p:par>
+                  <p:par>
+                    <p:cTn id="18" fill="hold">
+                      <p:stCondLst>
+                        <p:cond delay="indefinite"/>
+                      </p:stCondLst>
+                      <p:childTnLst>
+                        <p:par>
+                          <p:cTn id="19" fill="hold">
+                            <p:stCondLst>
+                              <p:cond delay="0"/>
+                            </p:stCondLst>
+                            <p:childTnLst>
+                              <p:par>
+                                <p:cTn id="20" presetID="22" presetClass="entr" presetSubtype="4" fill="hold" nodeType="clickEffect">
+                                  <p:stCondLst>
+                                    <p:cond delay="0"/>
+                                  </p:stCondLst>
+                                  <p:childTnLst>
+                                    <p:set>
+                                      <p:cBhvr>
+                                        <p:cTn id="21" dur="1" fill="hold">
+                                          <p:stCondLst>
+                                            <p:cond delay="0"/>
+                                          </p:stCondLst>
+                                        </p:cTn>
+                                        <p:tgtEl>
+                                          <p:spTgt spid="3">
+                                            <p:txEl>
+                                              <p:pRg st="5" end="5"/>
+                                            </p:txEl>
+                                          </p:spTgt>
+                                        </p:tgtEl>
+                                        <p:attrNameLst>
+                                          <p:attrName>style.visibility</p:attrName>
+                                        </p:attrNameLst>
+                                      </p:cBhvr>
+                                      <p:to>
+                                        <p:strVal val="visible"/>
+                                      </p:to>
+                                    </p:set>
+                                    <p:animEffect transition="in" filter="wipe(down)">
+                                      <p:cBhvr>
+                                        <p:cTn id="22" dur="500"/>
+                                        <p:tgtEl>
+                                          <p:spTgt spid="3">
+                                            <p:txEl>
+                                              <p:pRg st="5" end="5"/>
+                                            </p:txEl>
+                                          </p:spTgt>
+                                        </p:tgtEl>
+                                      </p:cBhvr>
+                                    </p:animEffect>
+                                  </p:childTnLst>
+                                </p:cTn>
+                              </p:par>
+                            </p:childTnLst>
+                          </p:cTn>
+                        </p:par>
+                      </p:childTnLst>
+                    </p:cTn>
+                  </p:par>
+                  <p:par>
+                    <p:cTn id="23" fill="hold">
+                      <p:stCondLst>
+                        <p:cond delay="indefinite"/>
+                      </p:stCondLst>
+                      <p:childTnLst>
+                        <p:par>
+                          <p:cTn id="24" fill="hold">
+                            <p:stCondLst>
+                              <p:cond delay="0"/>
+                            </p:stCondLst>
+                            <p:childTnLst>
+                              <p:par>
+                                <p:cTn id="25" presetID="22" presetClass="entr" presetSubtype="4" fill="hold" nodeType="clickEffect">
+                                  <p:stCondLst>
+                                    <p:cond delay="0"/>
+                                  </p:stCondLst>
+                                  <p:childTnLst>
+                                    <p:set>
+                                      <p:cBhvr>
+                                        <p:cTn id="26" dur="1" fill="hold">
+                                          <p:stCondLst>
+                                            <p:cond delay="0"/>
+                                          </p:stCondLst>
+                                        </p:cTn>
+                                        <p:tgtEl>
+                                          <p:spTgt spid="3">
+                                            <p:txEl>
+                                              <p:pRg st="6" end="6"/>
+                                            </p:txEl>
+                                          </p:spTgt>
+                                        </p:tgtEl>
+                                        <p:attrNameLst>
+                                          <p:attrName>style.visibility</p:attrName>
+                                        </p:attrNameLst>
+                                      </p:cBhvr>
+                                      <p:to>
+                                        <p:strVal val="visible"/>
+                                      </p:to>
+                                    </p:set>
+                                    <p:animEffect transition="in" filter="wipe(down)">
+                                      <p:cBhvr>
+                                        <p:cTn id="27" dur="500"/>
+                                        <p:tgtEl>
+                                          <p:spTgt spid="3">
+                                            <p:txEl>
+                                              <p:pRg st="6" end="6"/>
+                                            </p:txEl>
+                                          </p:spTgt>
+                                        </p:tgtEl>
+                                      </p:cBhvr>
+                                    </p:animEffect>
+                                  </p:childTnLst>
+                                </p:cTn>
+                              </p:par>
+                            </p:childTnLst>
+                          </p:cTn>
+                        </p:par>
+                      </p:childTnLst>
+                    </p:cTn>
+                  </p:par>
+                </p:childTnLst>
+              </p:cTn>
+              <p:prevCondLst>
+                <p:cond evt="onPrev" delay="0">
+                  <p:tgtEl>
+                    <p:sldTgt/>
+                  </p:tgtEl>
+                </p:cond>
+              </p:prevCondLst>
+              <p:nextCondLst>
+                <p:cond evt="onNext" delay="0">
+                  <p:tgtEl>
+                    <p:sldTgt/>
+                  </p:tgtEl>
+                </p:cond>
+              </p:nextCondLst>
+            </p:seq>
+          </p:childTnLst>
+        </p:cTn>
+      </p:par>
+    </p:tnLst>
+  </p:timing>
 </p:sld>
 </file>
 
@@ -6816,8 +8889,8 @@
         </p:nvSpPr>
         <p:spPr>
           <a:xfrm>
-            <a:off x="336045" y="5539678"/>
-            <a:ext cx="7001887" cy="646331"/>
+            <a:off x="103306" y="5364356"/>
+            <a:ext cx="9022347" cy="646331"/>
           </a:xfrm>
           <a:prstGeom prst="rect">
             <a:avLst/>
@@ -6851,15 +8924,7 @@
             </a:r>
             <a:r>
               <a:rPr lang="en-US" sz="3600" dirty="0" smtClean="0"/>
-              <a:t>low </a:t>
-            </a:r>
-            <a:r>
-              <a:rPr lang="en-US" sz="3600" dirty="0" smtClean="0"/>
-              <a:t>C </a:t>
-            </a:r>
-            <a:r>
-              <a:rPr lang="en-US" sz="3600" dirty="0" smtClean="0"/>
-              <a:t>to high </a:t>
+              <a:t>low C (base note) to high </a:t>
             </a:r>
             <a:r>
               <a:rPr lang="en-US" sz="3600" dirty="0" smtClean="0"/>
@@ -7433,6 +9498,884 @@
       <p:transition xmlns:p14="http://schemas.microsoft.com/office/powerpoint/2010/main" spd="slow"/>
     </mc:Fallback>
   </mc:AlternateContent>
+  <p:timing>
+    <p:tnLst>
+      <p:par>
+        <p:cTn xmlns:p14="http://schemas.microsoft.com/office/powerpoint/2010/main" id="1" dur="indefinite" restart="never" nodeType="tmRoot">
+          <p:childTnLst>
+            <p:seq concurrent="1" nextAc="seek">
+              <p:cTn id="2" dur="indefinite" nodeType="mainSeq">
+                <p:childTnLst>
+                  <p:par>
+                    <p:cTn id="3" fill="hold">
+                      <p:stCondLst>
+                        <p:cond delay="indefinite"/>
+                      </p:stCondLst>
+                      <p:childTnLst>
+                        <p:par>
+                          <p:cTn id="4" fill="hold">
+                            <p:stCondLst>
+                              <p:cond delay="0"/>
+                            </p:stCondLst>
+                            <p:childTnLst>
+                              <p:par>
+                                <p:cTn id="5" presetID="22" presetClass="entr" presetSubtype="4" fill="hold" grpId="0" nodeType="clickEffect">
+                                  <p:stCondLst>
+                                    <p:cond delay="0"/>
+                                  </p:stCondLst>
+                                  <p:childTnLst>
+                                    <p:set>
+                                      <p:cBhvr>
+                                        <p:cTn id="6" dur="1" fill="hold">
+                                          <p:stCondLst>
+                                            <p:cond delay="0"/>
+                                          </p:stCondLst>
+                                        </p:cTn>
+                                        <p:tgtEl>
+                                          <p:spTgt spid="5"/>
+                                        </p:tgtEl>
+                                        <p:attrNameLst>
+                                          <p:attrName>style.visibility</p:attrName>
+                                        </p:attrNameLst>
+                                      </p:cBhvr>
+                                      <p:to>
+                                        <p:strVal val="visible"/>
+                                      </p:to>
+                                    </p:set>
+                                    <p:animEffect transition="in" filter="wipe(down)">
+                                      <p:cBhvr>
+                                        <p:cTn id="7" dur="500"/>
+                                        <p:tgtEl>
+                                          <p:spTgt spid="5"/>
+                                        </p:tgtEl>
+                                      </p:cBhvr>
+                                    </p:animEffect>
+                                  </p:childTnLst>
+                                </p:cTn>
+                              </p:par>
+                              <p:par>
+                                <p:cTn id="8" presetID="22" presetClass="entr" presetSubtype="4" fill="hold" grpId="0" nodeType="withEffect">
+                                  <p:stCondLst>
+                                    <p:cond delay="0"/>
+                                  </p:stCondLst>
+                                  <p:childTnLst>
+                                    <p:set>
+                                      <p:cBhvr>
+                                        <p:cTn id="9" dur="1" fill="hold">
+                                          <p:stCondLst>
+                                            <p:cond delay="0"/>
+                                          </p:stCondLst>
+                                        </p:cTn>
+                                        <p:tgtEl>
+                                          <p:spTgt spid="6"/>
+                                        </p:tgtEl>
+                                        <p:attrNameLst>
+                                          <p:attrName>style.visibility</p:attrName>
+                                        </p:attrNameLst>
+                                      </p:cBhvr>
+                                      <p:to>
+                                        <p:strVal val="visible"/>
+                                      </p:to>
+                                    </p:set>
+                                    <p:animEffect transition="in" filter="wipe(down)">
+                                      <p:cBhvr>
+                                        <p:cTn id="10" dur="500"/>
+                                        <p:tgtEl>
+                                          <p:spTgt spid="6"/>
+                                        </p:tgtEl>
+                                      </p:cBhvr>
+                                    </p:animEffect>
+                                  </p:childTnLst>
+                                </p:cTn>
+                              </p:par>
+                              <p:par>
+                                <p:cTn id="11" presetID="22" presetClass="entr" presetSubtype="4" fill="hold" grpId="0" nodeType="withEffect">
+                                  <p:stCondLst>
+                                    <p:cond delay="0"/>
+                                  </p:stCondLst>
+                                  <p:childTnLst>
+                                    <p:set>
+                                      <p:cBhvr>
+                                        <p:cTn id="12" dur="1" fill="hold">
+                                          <p:stCondLst>
+                                            <p:cond delay="0"/>
+                                          </p:stCondLst>
+                                        </p:cTn>
+                                        <p:tgtEl>
+                                          <p:spTgt spid="7"/>
+                                        </p:tgtEl>
+                                        <p:attrNameLst>
+                                          <p:attrName>style.visibility</p:attrName>
+                                        </p:attrNameLst>
+                                      </p:cBhvr>
+                                      <p:to>
+                                        <p:strVal val="visible"/>
+                                      </p:to>
+                                    </p:set>
+                                    <p:animEffect transition="in" filter="wipe(down)">
+                                      <p:cBhvr>
+                                        <p:cTn id="13" dur="500"/>
+                                        <p:tgtEl>
+                                          <p:spTgt spid="7"/>
+                                        </p:tgtEl>
+                                      </p:cBhvr>
+                                    </p:animEffect>
+                                  </p:childTnLst>
+                                </p:cTn>
+                              </p:par>
+                              <p:par>
+                                <p:cTn id="14" presetID="22" presetClass="entr" presetSubtype="4" fill="hold" grpId="0" nodeType="withEffect">
+                                  <p:stCondLst>
+                                    <p:cond delay="0"/>
+                                  </p:stCondLst>
+                                  <p:childTnLst>
+                                    <p:set>
+                                      <p:cBhvr>
+                                        <p:cTn id="15" dur="1" fill="hold">
+                                          <p:stCondLst>
+                                            <p:cond delay="0"/>
+                                          </p:stCondLst>
+                                        </p:cTn>
+                                        <p:tgtEl>
+                                          <p:spTgt spid="8"/>
+                                        </p:tgtEl>
+                                        <p:attrNameLst>
+                                          <p:attrName>style.visibility</p:attrName>
+                                        </p:attrNameLst>
+                                      </p:cBhvr>
+                                      <p:to>
+                                        <p:strVal val="visible"/>
+                                      </p:to>
+                                    </p:set>
+                                    <p:animEffect transition="in" filter="wipe(down)">
+                                      <p:cBhvr>
+                                        <p:cTn id="16" dur="500"/>
+                                        <p:tgtEl>
+                                          <p:spTgt spid="8"/>
+                                        </p:tgtEl>
+                                      </p:cBhvr>
+                                    </p:animEffect>
+                                  </p:childTnLst>
+                                </p:cTn>
+                              </p:par>
+                              <p:par>
+                                <p:cTn id="17" presetID="22" presetClass="entr" presetSubtype="4" fill="hold" grpId="0" nodeType="withEffect">
+                                  <p:stCondLst>
+                                    <p:cond delay="0"/>
+                                  </p:stCondLst>
+                                  <p:childTnLst>
+                                    <p:set>
+                                      <p:cBhvr>
+                                        <p:cTn id="18" dur="1" fill="hold">
+                                          <p:stCondLst>
+                                            <p:cond delay="0"/>
+                                          </p:stCondLst>
+                                        </p:cTn>
+                                        <p:tgtEl>
+                                          <p:spTgt spid="9"/>
+                                        </p:tgtEl>
+                                        <p:attrNameLst>
+                                          <p:attrName>style.visibility</p:attrName>
+                                        </p:attrNameLst>
+                                      </p:cBhvr>
+                                      <p:to>
+                                        <p:strVal val="visible"/>
+                                      </p:to>
+                                    </p:set>
+                                    <p:animEffect transition="in" filter="wipe(down)">
+                                      <p:cBhvr>
+                                        <p:cTn id="19" dur="500"/>
+                                        <p:tgtEl>
+                                          <p:spTgt spid="9"/>
+                                        </p:tgtEl>
+                                      </p:cBhvr>
+                                    </p:animEffect>
+                                  </p:childTnLst>
+                                </p:cTn>
+                              </p:par>
+                              <p:par>
+                                <p:cTn id="20" presetID="22" presetClass="entr" presetSubtype="4" fill="hold" grpId="0" nodeType="withEffect">
+                                  <p:stCondLst>
+                                    <p:cond delay="0"/>
+                                  </p:stCondLst>
+                                  <p:childTnLst>
+                                    <p:set>
+                                      <p:cBhvr>
+                                        <p:cTn id="21" dur="1" fill="hold">
+                                          <p:stCondLst>
+                                            <p:cond delay="0"/>
+                                          </p:stCondLst>
+                                        </p:cTn>
+                                        <p:tgtEl>
+                                          <p:spTgt spid="10"/>
+                                        </p:tgtEl>
+                                        <p:attrNameLst>
+                                          <p:attrName>style.visibility</p:attrName>
+                                        </p:attrNameLst>
+                                      </p:cBhvr>
+                                      <p:to>
+                                        <p:strVal val="visible"/>
+                                      </p:to>
+                                    </p:set>
+                                    <p:animEffect transition="in" filter="wipe(down)">
+                                      <p:cBhvr>
+                                        <p:cTn id="22" dur="500"/>
+                                        <p:tgtEl>
+                                          <p:spTgt spid="10"/>
+                                        </p:tgtEl>
+                                      </p:cBhvr>
+                                    </p:animEffect>
+                                  </p:childTnLst>
+                                </p:cTn>
+                              </p:par>
+                              <p:par>
+                                <p:cTn id="23" presetID="22" presetClass="entr" presetSubtype="4" fill="hold" grpId="0" nodeType="withEffect">
+                                  <p:stCondLst>
+                                    <p:cond delay="0"/>
+                                  </p:stCondLst>
+                                  <p:childTnLst>
+                                    <p:set>
+                                      <p:cBhvr>
+                                        <p:cTn id="24" dur="1" fill="hold">
+                                          <p:stCondLst>
+                                            <p:cond delay="0"/>
+                                          </p:stCondLst>
+                                        </p:cTn>
+                                        <p:tgtEl>
+                                          <p:spTgt spid="11"/>
+                                        </p:tgtEl>
+                                        <p:attrNameLst>
+                                          <p:attrName>style.visibility</p:attrName>
+                                        </p:attrNameLst>
+                                      </p:cBhvr>
+                                      <p:to>
+                                        <p:strVal val="visible"/>
+                                      </p:to>
+                                    </p:set>
+                                    <p:animEffect transition="in" filter="wipe(down)">
+                                      <p:cBhvr>
+                                        <p:cTn id="25" dur="500"/>
+                                        <p:tgtEl>
+                                          <p:spTgt spid="11"/>
+                                        </p:tgtEl>
+                                      </p:cBhvr>
+                                    </p:animEffect>
+                                  </p:childTnLst>
+                                </p:cTn>
+                              </p:par>
+                            </p:childTnLst>
+                          </p:cTn>
+                        </p:par>
+                      </p:childTnLst>
+                    </p:cTn>
+                  </p:par>
+                  <p:par>
+                    <p:cTn id="26" fill="hold">
+                      <p:stCondLst>
+                        <p:cond delay="indefinite"/>
+                      </p:stCondLst>
+                      <p:childTnLst>
+                        <p:par>
+                          <p:cTn id="27" fill="hold">
+                            <p:stCondLst>
+                              <p:cond delay="0"/>
+                            </p:stCondLst>
+                            <p:childTnLst>
+                              <p:par>
+                                <p:cTn id="28" presetID="22" presetClass="entr" presetSubtype="4" fill="hold" nodeType="clickEffect">
+                                  <p:stCondLst>
+                                    <p:cond delay="0"/>
+                                  </p:stCondLst>
+                                  <p:childTnLst>
+                                    <p:set>
+                                      <p:cBhvr>
+                                        <p:cTn id="29" dur="1" fill="hold">
+                                          <p:stCondLst>
+                                            <p:cond delay="0"/>
+                                          </p:stCondLst>
+                                        </p:cTn>
+                                        <p:tgtEl>
+                                          <p:spTgt spid="29"/>
+                                        </p:tgtEl>
+                                        <p:attrNameLst>
+                                          <p:attrName>style.visibility</p:attrName>
+                                        </p:attrNameLst>
+                                      </p:cBhvr>
+                                      <p:to>
+                                        <p:strVal val="visible"/>
+                                      </p:to>
+                                    </p:set>
+                                    <p:animEffect transition="in" filter="wipe(down)">
+                                      <p:cBhvr>
+                                        <p:cTn id="30" dur="500"/>
+                                        <p:tgtEl>
+                                          <p:spTgt spid="29"/>
+                                        </p:tgtEl>
+                                      </p:cBhvr>
+                                    </p:animEffect>
+                                  </p:childTnLst>
+                                </p:cTn>
+                              </p:par>
+                              <p:par>
+                                <p:cTn id="31" presetID="22" presetClass="entr" presetSubtype="4" fill="hold" nodeType="withEffect">
+                                  <p:stCondLst>
+                                    <p:cond delay="0"/>
+                                  </p:stCondLst>
+                                  <p:childTnLst>
+                                    <p:set>
+                                      <p:cBhvr>
+                                        <p:cTn id="32" dur="1" fill="hold">
+                                          <p:stCondLst>
+                                            <p:cond delay="0"/>
+                                          </p:stCondLst>
+                                        </p:cTn>
+                                        <p:tgtEl>
+                                          <p:spTgt spid="30"/>
+                                        </p:tgtEl>
+                                        <p:attrNameLst>
+                                          <p:attrName>style.visibility</p:attrName>
+                                        </p:attrNameLst>
+                                      </p:cBhvr>
+                                      <p:to>
+                                        <p:strVal val="visible"/>
+                                      </p:to>
+                                    </p:set>
+                                    <p:animEffect transition="in" filter="wipe(down)">
+                                      <p:cBhvr>
+                                        <p:cTn id="33" dur="500"/>
+                                        <p:tgtEl>
+                                          <p:spTgt spid="30"/>
+                                        </p:tgtEl>
+                                      </p:cBhvr>
+                                    </p:animEffect>
+                                  </p:childTnLst>
+                                </p:cTn>
+                              </p:par>
+                              <p:par>
+                                <p:cTn id="34" presetID="22" presetClass="entr" presetSubtype="4" fill="hold" nodeType="withEffect">
+                                  <p:stCondLst>
+                                    <p:cond delay="0"/>
+                                  </p:stCondLst>
+                                  <p:childTnLst>
+                                    <p:set>
+                                      <p:cBhvr>
+                                        <p:cTn id="35" dur="1" fill="hold">
+                                          <p:stCondLst>
+                                            <p:cond delay="0"/>
+                                          </p:stCondLst>
+                                        </p:cTn>
+                                        <p:tgtEl>
+                                          <p:spTgt spid="31"/>
+                                        </p:tgtEl>
+                                        <p:attrNameLst>
+                                          <p:attrName>style.visibility</p:attrName>
+                                        </p:attrNameLst>
+                                      </p:cBhvr>
+                                      <p:to>
+                                        <p:strVal val="visible"/>
+                                      </p:to>
+                                    </p:set>
+                                    <p:animEffect transition="in" filter="wipe(down)">
+                                      <p:cBhvr>
+                                        <p:cTn id="36" dur="500"/>
+                                        <p:tgtEl>
+                                          <p:spTgt spid="31"/>
+                                        </p:tgtEl>
+                                      </p:cBhvr>
+                                    </p:animEffect>
+                                  </p:childTnLst>
+                                </p:cTn>
+                              </p:par>
+                              <p:par>
+                                <p:cTn id="37" presetID="22" presetClass="entr" presetSubtype="4" fill="hold" nodeType="withEffect">
+                                  <p:stCondLst>
+                                    <p:cond delay="0"/>
+                                  </p:stCondLst>
+                                  <p:childTnLst>
+                                    <p:set>
+                                      <p:cBhvr>
+                                        <p:cTn id="38" dur="1" fill="hold">
+                                          <p:stCondLst>
+                                            <p:cond delay="0"/>
+                                          </p:stCondLst>
+                                        </p:cTn>
+                                        <p:tgtEl>
+                                          <p:spTgt spid="32"/>
+                                        </p:tgtEl>
+                                        <p:attrNameLst>
+                                          <p:attrName>style.visibility</p:attrName>
+                                        </p:attrNameLst>
+                                      </p:cBhvr>
+                                      <p:to>
+                                        <p:strVal val="visible"/>
+                                      </p:to>
+                                    </p:set>
+                                    <p:animEffect transition="in" filter="wipe(down)">
+                                      <p:cBhvr>
+                                        <p:cTn id="39" dur="500"/>
+                                        <p:tgtEl>
+                                          <p:spTgt spid="32"/>
+                                        </p:tgtEl>
+                                      </p:cBhvr>
+                                    </p:animEffect>
+                                  </p:childTnLst>
+                                </p:cTn>
+                              </p:par>
+                              <p:par>
+                                <p:cTn id="40" presetID="22" presetClass="entr" presetSubtype="4" fill="hold" nodeType="withEffect">
+                                  <p:stCondLst>
+                                    <p:cond delay="0"/>
+                                  </p:stCondLst>
+                                  <p:childTnLst>
+                                    <p:set>
+                                      <p:cBhvr>
+                                        <p:cTn id="41" dur="1" fill="hold">
+                                          <p:stCondLst>
+                                            <p:cond delay="0"/>
+                                          </p:stCondLst>
+                                        </p:cTn>
+                                        <p:tgtEl>
+                                          <p:spTgt spid="33"/>
+                                        </p:tgtEl>
+                                        <p:attrNameLst>
+                                          <p:attrName>style.visibility</p:attrName>
+                                        </p:attrNameLst>
+                                      </p:cBhvr>
+                                      <p:to>
+                                        <p:strVal val="visible"/>
+                                      </p:to>
+                                    </p:set>
+                                    <p:animEffect transition="in" filter="wipe(down)">
+                                      <p:cBhvr>
+                                        <p:cTn id="42" dur="500"/>
+                                        <p:tgtEl>
+                                          <p:spTgt spid="33"/>
+                                        </p:tgtEl>
+                                      </p:cBhvr>
+                                    </p:animEffect>
+                                  </p:childTnLst>
+                                </p:cTn>
+                              </p:par>
+                              <p:par>
+                                <p:cTn id="43" presetID="22" presetClass="entr" presetSubtype="4" fill="hold" nodeType="withEffect">
+                                  <p:stCondLst>
+                                    <p:cond delay="0"/>
+                                  </p:stCondLst>
+                                  <p:childTnLst>
+                                    <p:set>
+                                      <p:cBhvr>
+                                        <p:cTn id="44" dur="1" fill="hold">
+                                          <p:stCondLst>
+                                            <p:cond delay="0"/>
+                                          </p:stCondLst>
+                                        </p:cTn>
+                                        <p:tgtEl>
+                                          <p:spTgt spid="34"/>
+                                        </p:tgtEl>
+                                        <p:attrNameLst>
+                                          <p:attrName>style.visibility</p:attrName>
+                                        </p:attrNameLst>
+                                      </p:cBhvr>
+                                      <p:to>
+                                        <p:strVal val="visible"/>
+                                      </p:to>
+                                    </p:set>
+                                    <p:animEffect transition="in" filter="wipe(down)">
+                                      <p:cBhvr>
+                                        <p:cTn id="45" dur="500"/>
+                                        <p:tgtEl>
+                                          <p:spTgt spid="34"/>
+                                        </p:tgtEl>
+                                      </p:cBhvr>
+                                    </p:animEffect>
+                                  </p:childTnLst>
+                                </p:cTn>
+                              </p:par>
+                              <p:par>
+                                <p:cTn id="46" presetID="22" presetClass="entr" presetSubtype="4" fill="hold" nodeType="withEffect">
+                                  <p:stCondLst>
+                                    <p:cond delay="0"/>
+                                  </p:stCondLst>
+                                  <p:childTnLst>
+                                    <p:set>
+                                      <p:cBhvr>
+                                        <p:cTn id="47" dur="1" fill="hold">
+                                          <p:stCondLst>
+                                            <p:cond delay="0"/>
+                                          </p:stCondLst>
+                                        </p:cTn>
+                                        <p:tgtEl>
+                                          <p:spTgt spid="35"/>
+                                        </p:tgtEl>
+                                        <p:attrNameLst>
+                                          <p:attrName>style.visibility</p:attrName>
+                                        </p:attrNameLst>
+                                      </p:cBhvr>
+                                      <p:to>
+                                        <p:strVal val="visible"/>
+                                      </p:to>
+                                    </p:set>
+                                    <p:animEffect transition="in" filter="wipe(down)">
+                                      <p:cBhvr>
+                                        <p:cTn id="48" dur="500"/>
+                                        <p:tgtEl>
+                                          <p:spTgt spid="35"/>
+                                        </p:tgtEl>
+                                      </p:cBhvr>
+                                    </p:animEffect>
+                                  </p:childTnLst>
+                                </p:cTn>
+                              </p:par>
+                              <p:par>
+                                <p:cTn id="49" presetID="22" presetClass="entr" presetSubtype="4" fill="hold" grpId="0" nodeType="withEffect">
+                                  <p:stCondLst>
+                                    <p:cond delay="0"/>
+                                  </p:stCondLst>
+                                  <p:childTnLst>
+                                    <p:set>
+                                      <p:cBhvr>
+                                        <p:cTn id="50" dur="1" fill="hold">
+                                          <p:stCondLst>
+                                            <p:cond delay="0"/>
+                                          </p:stCondLst>
+                                        </p:cTn>
+                                        <p:tgtEl>
+                                          <p:spTgt spid="27"/>
+                                        </p:tgtEl>
+                                        <p:attrNameLst>
+                                          <p:attrName>style.visibility</p:attrName>
+                                        </p:attrNameLst>
+                                      </p:cBhvr>
+                                      <p:to>
+                                        <p:strVal val="visible"/>
+                                      </p:to>
+                                    </p:set>
+                                    <p:animEffect transition="in" filter="wipe(down)">
+                                      <p:cBhvr>
+                                        <p:cTn id="51" dur="500"/>
+                                        <p:tgtEl>
+                                          <p:spTgt spid="27"/>
+                                        </p:tgtEl>
+                                      </p:cBhvr>
+                                    </p:animEffect>
+                                  </p:childTnLst>
+                                </p:cTn>
+                              </p:par>
+                              <p:par>
+                                <p:cTn id="52" presetID="22" presetClass="entr" presetSubtype="4" fill="hold" grpId="0" nodeType="withEffect">
+                                  <p:stCondLst>
+                                    <p:cond delay="0"/>
+                                  </p:stCondLst>
+                                  <p:childTnLst>
+                                    <p:set>
+                                      <p:cBhvr>
+                                        <p:cTn id="53" dur="1" fill="hold">
+                                          <p:stCondLst>
+                                            <p:cond delay="0"/>
+                                          </p:stCondLst>
+                                        </p:cTn>
+                                        <p:tgtEl>
+                                          <p:spTgt spid="26"/>
+                                        </p:tgtEl>
+                                        <p:attrNameLst>
+                                          <p:attrName>style.visibility</p:attrName>
+                                        </p:attrNameLst>
+                                      </p:cBhvr>
+                                      <p:to>
+                                        <p:strVal val="visible"/>
+                                      </p:to>
+                                    </p:set>
+                                    <p:animEffect transition="in" filter="wipe(down)">
+                                      <p:cBhvr>
+                                        <p:cTn id="54" dur="500"/>
+                                        <p:tgtEl>
+                                          <p:spTgt spid="26"/>
+                                        </p:tgtEl>
+                                      </p:cBhvr>
+                                    </p:animEffect>
+                                  </p:childTnLst>
+                                </p:cTn>
+                              </p:par>
+                              <p:par>
+                                <p:cTn id="55" presetID="22" presetClass="entr" presetSubtype="4" fill="hold" grpId="0" nodeType="withEffect">
+                                  <p:stCondLst>
+                                    <p:cond delay="0"/>
+                                  </p:stCondLst>
+                                  <p:childTnLst>
+                                    <p:set>
+                                      <p:cBhvr>
+                                        <p:cTn id="56" dur="1" fill="hold">
+                                          <p:stCondLst>
+                                            <p:cond delay="0"/>
+                                          </p:stCondLst>
+                                        </p:cTn>
+                                        <p:tgtEl>
+                                          <p:spTgt spid="25"/>
+                                        </p:tgtEl>
+                                        <p:attrNameLst>
+                                          <p:attrName>style.visibility</p:attrName>
+                                        </p:attrNameLst>
+                                      </p:cBhvr>
+                                      <p:to>
+                                        <p:strVal val="visible"/>
+                                      </p:to>
+                                    </p:set>
+                                    <p:animEffect transition="in" filter="wipe(down)">
+                                      <p:cBhvr>
+                                        <p:cTn id="57" dur="500"/>
+                                        <p:tgtEl>
+                                          <p:spTgt spid="25"/>
+                                        </p:tgtEl>
+                                      </p:cBhvr>
+                                    </p:animEffect>
+                                  </p:childTnLst>
+                                </p:cTn>
+                              </p:par>
+                              <p:par>
+                                <p:cTn id="58" presetID="22" presetClass="entr" presetSubtype="4" fill="hold" grpId="0" nodeType="withEffect">
+                                  <p:stCondLst>
+                                    <p:cond delay="0"/>
+                                  </p:stCondLst>
+                                  <p:childTnLst>
+                                    <p:set>
+                                      <p:cBhvr>
+                                        <p:cTn id="59" dur="1" fill="hold">
+                                          <p:stCondLst>
+                                            <p:cond delay="0"/>
+                                          </p:stCondLst>
+                                        </p:cTn>
+                                        <p:tgtEl>
+                                          <p:spTgt spid="24"/>
+                                        </p:tgtEl>
+                                        <p:attrNameLst>
+                                          <p:attrName>style.visibility</p:attrName>
+                                        </p:attrNameLst>
+                                      </p:cBhvr>
+                                      <p:to>
+                                        <p:strVal val="visible"/>
+                                      </p:to>
+                                    </p:set>
+                                    <p:animEffect transition="in" filter="wipe(down)">
+                                      <p:cBhvr>
+                                        <p:cTn id="60" dur="500"/>
+                                        <p:tgtEl>
+                                          <p:spTgt spid="24"/>
+                                        </p:tgtEl>
+                                      </p:cBhvr>
+                                    </p:animEffect>
+                                  </p:childTnLst>
+                                </p:cTn>
+                              </p:par>
+                              <p:par>
+                                <p:cTn id="61" presetID="22" presetClass="entr" presetSubtype="4" fill="hold" grpId="0" nodeType="withEffect">
+                                  <p:stCondLst>
+                                    <p:cond delay="0"/>
+                                  </p:stCondLst>
+                                  <p:childTnLst>
+                                    <p:set>
+                                      <p:cBhvr>
+                                        <p:cTn id="62" dur="1" fill="hold">
+                                          <p:stCondLst>
+                                            <p:cond delay="0"/>
+                                          </p:stCondLst>
+                                        </p:cTn>
+                                        <p:tgtEl>
+                                          <p:spTgt spid="23"/>
+                                        </p:tgtEl>
+                                        <p:attrNameLst>
+                                          <p:attrName>style.visibility</p:attrName>
+                                        </p:attrNameLst>
+                                      </p:cBhvr>
+                                      <p:to>
+                                        <p:strVal val="visible"/>
+                                      </p:to>
+                                    </p:set>
+                                    <p:animEffect transition="in" filter="wipe(down)">
+                                      <p:cBhvr>
+                                        <p:cTn id="63" dur="500"/>
+                                        <p:tgtEl>
+                                          <p:spTgt spid="23"/>
+                                        </p:tgtEl>
+                                      </p:cBhvr>
+                                    </p:animEffect>
+                                  </p:childTnLst>
+                                </p:cTn>
+                              </p:par>
+                              <p:par>
+                                <p:cTn id="64" presetID="22" presetClass="entr" presetSubtype="4" fill="hold" grpId="0" nodeType="withEffect">
+                                  <p:stCondLst>
+                                    <p:cond delay="0"/>
+                                  </p:stCondLst>
+                                  <p:childTnLst>
+                                    <p:set>
+                                      <p:cBhvr>
+                                        <p:cTn id="65" dur="1" fill="hold">
+                                          <p:stCondLst>
+                                            <p:cond delay="0"/>
+                                          </p:stCondLst>
+                                        </p:cTn>
+                                        <p:tgtEl>
+                                          <p:spTgt spid="22"/>
+                                        </p:tgtEl>
+                                        <p:attrNameLst>
+                                          <p:attrName>style.visibility</p:attrName>
+                                        </p:attrNameLst>
+                                      </p:cBhvr>
+                                      <p:to>
+                                        <p:strVal val="visible"/>
+                                      </p:to>
+                                    </p:set>
+                                    <p:animEffect transition="in" filter="wipe(down)">
+                                      <p:cBhvr>
+                                        <p:cTn id="66" dur="500"/>
+                                        <p:tgtEl>
+                                          <p:spTgt spid="22"/>
+                                        </p:tgtEl>
+                                      </p:cBhvr>
+                                    </p:animEffect>
+                                  </p:childTnLst>
+                                </p:cTn>
+                              </p:par>
+                              <p:par>
+                                <p:cTn id="67" presetID="22" presetClass="entr" presetSubtype="4" fill="hold" grpId="0" nodeType="withEffect">
+                                  <p:stCondLst>
+                                    <p:cond delay="0"/>
+                                  </p:stCondLst>
+                                  <p:childTnLst>
+                                    <p:set>
+                                      <p:cBhvr>
+                                        <p:cTn id="68" dur="1" fill="hold">
+                                          <p:stCondLst>
+                                            <p:cond delay="0"/>
+                                          </p:stCondLst>
+                                        </p:cTn>
+                                        <p:tgtEl>
+                                          <p:spTgt spid="21"/>
+                                        </p:tgtEl>
+                                        <p:attrNameLst>
+                                          <p:attrName>style.visibility</p:attrName>
+                                        </p:attrNameLst>
+                                      </p:cBhvr>
+                                      <p:to>
+                                        <p:strVal val="visible"/>
+                                      </p:to>
+                                    </p:set>
+                                    <p:animEffect transition="in" filter="wipe(down)">
+                                      <p:cBhvr>
+                                        <p:cTn id="69" dur="500"/>
+                                        <p:tgtEl>
+                                          <p:spTgt spid="21"/>
+                                        </p:tgtEl>
+                                      </p:cBhvr>
+                                    </p:animEffect>
+                                  </p:childTnLst>
+                                </p:cTn>
+                              </p:par>
+                            </p:childTnLst>
+                          </p:cTn>
+                        </p:par>
+                      </p:childTnLst>
+                    </p:cTn>
+                  </p:par>
+                  <p:par>
+                    <p:cTn id="70" fill="hold">
+                      <p:stCondLst>
+                        <p:cond delay="indefinite"/>
+                      </p:stCondLst>
+                      <p:childTnLst>
+                        <p:par>
+                          <p:cTn id="71" fill="hold">
+                            <p:stCondLst>
+                              <p:cond delay="0"/>
+                            </p:stCondLst>
+                            <p:childTnLst>
+                              <p:par>
+                                <p:cTn id="72" presetID="22" presetClass="entr" presetSubtype="4" fill="hold" nodeType="clickEffect">
+                                  <p:stCondLst>
+                                    <p:cond delay="0"/>
+                                  </p:stCondLst>
+                                  <p:childTnLst>
+                                    <p:set>
+                                      <p:cBhvr>
+                                        <p:cTn id="73" dur="1" fill="hold">
+                                          <p:stCondLst>
+                                            <p:cond delay="0"/>
+                                          </p:stCondLst>
+                                        </p:cTn>
+                                        <p:tgtEl>
+                                          <p:spTgt spid="20">
+                                            <p:txEl>
+                                              <p:pRg st="0" end="0"/>
+                                            </p:txEl>
+                                          </p:spTgt>
+                                        </p:tgtEl>
+                                        <p:attrNameLst>
+                                          <p:attrName>style.visibility</p:attrName>
+                                        </p:attrNameLst>
+                                      </p:cBhvr>
+                                      <p:to>
+                                        <p:strVal val="visible"/>
+                                      </p:to>
+                                    </p:set>
+                                    <p:animEffect transition="in" filter="wipe(down)">
+                                      <p:cBhvr>
+                                        <p:cTn id="74" dur="500"/>
+                                        <p:tgtEl>
+                                          <p:spTgt spid="20">
+                                            <p:txEl>
+                                              <p:pRg st="0" end="0"/>
+                                            </p:txEl>
+                                          </p:spTgt>
+                                        </p:tgtEl>
+                                      </p:cBhvr>
+                                    </p:animEffect>
+                                  </p:childTnLst>
+                                </p:cTn>
+                              </p:par>
+                            </p:childTnLst>
+                          </p:cTn>
+                        </p:par>
+                      </p:childTnLst>
+                    </p:cTn>
+                  </p:par>
+                </p:childTnLst>
+              </p:cTn>
+              <p:prevCondLst>
+                <p:cond evt="onPrev" delay="0">
+                  <p:tgtEl>
+                    <p:sldTgt/>
+                  </p:tgtEl>
+                </p:cond>
+              </p:prevCondLst>
+              <p:nextCondLst>
+                <p:cond evt="onNext" delay="0">
+                  <p:tgtEl>
+                    <p:sldTgt/>
+                  </p:tgtEl>
+                </p:cond>
+              </p:nextCondLst>
+            </p:seq>
+          </p:childTnLst>
+        </p:cTn>
+      </p:par>
+    </p:tnLst>
+    <p:bldLst>
+      <p:bldP spid="5" grpId="0"/>
+      <p:bldP spid="6" grpId="0"/>
+      <p:bldP spid="7" grpId="0"/>
+      <p:bldP spid="8" grpId="0"/>
+      <p:bldP spid="9" grpId="0"/>
+      <p:bldP spid="10" grpId="0"/>
+      <p:bldP spid="11" grpId="0"/>
+      <p:bldP spid="21" grpId="0"/>
+      <p:bldP spid="22" grpId="0"/>
+      <p:bldP spid="23" grpId="0"/>
+      <p:bldP spid="24" grpId="0"/>
+      <p:bldP spid="25" grpId="0"/>
+      <p:bldP spid="26" grpId="0"/>
+      <p:bldP spid="27" grpId="0"/>
+    </p:bldLst>
+  </p:timing>
 </p:sld>
 </file>
 
